--- a/units/5/lessons/1/resources/petascale-lesson-5.1-slides.pptx
+++ b/units/5/lessons/1/resources/petascale-lesson-5.1-slides.pptx
@@ -10,7 +10,7 @@
   </p:notesMasterIdLst>
   <p:sldIdLst>
     <p:sldId id="358" r:id="rId3"/>
-    <p:sldId id="359" r:id="rId4"/>
+    <p:sldId id="360" r:id="rId4"/>
     <p:sldId id="256" r:id="rId5"/>
     <p:sldId id="258" r:id="rId6"/>
     <p:sldId id="272" r:id="rId7"/>
@@ -133,7 +133,7 @@
       <p15:sldGuideLst xmlns:p15="http://schemas.microsoft.com/office/powerpoint/2012/main"/>
     </p:ext>
     <p:ext uri="http://customooxmlschemas.google.com/">
-      <go:slidesCustomData xmlns:go="http://customooxmlschemas.google.com/" xmlns:p15="http://schemas.microsoft.com/office/powerpoint/2012/main" xmlns="" roundtripDataSignature="AMtx7mjSN0UvjQ1qMFdFN6AGpauy77Vqrw==" r:id="rId27"/>
+      <go:slidesCustomData xmlns="" xmlns:p15="http://schemas.microsoft.com/office/powerpoint/2012/main" xmlns:go="http://customooxmlschemas.google.com/" roundtripDataSignature="AMtx7mjSN0UvjQ1qMFdFN6AGpauy77Vqrw==" r:id="rId27"/>
     </p:ext>
   </p:extLst>
 </p:presentation>
@@ -227,7 +227,7 @@
           <a:p>
             <a:fld id="{C40B3AFE-7C7C-4FC9-A8B9-F4DBDC42F3ED}" type="datetimeFigureOut">
               <a:rPr lang="en-US" smtClean="0"/>
-              <a:t>9/12/20</a:t>
+              <a:t>10/11/20</a:t>
             </a:fld>
             <a:endParaRPr lang="en-US"/>
           </a:p>
@@ -757,7 +757,7 @@
           <a:p>
             <a:fld id="{9ECC21AE-C854-42EF-90E6-1016E4386352}" type="datetimeFigureOut">
               <a:rPr lang="en-US" smtClean="0"/>
-              <a:t>9/12/20</a:t>
+              <a:t>10/11/20</a:t>
             </a:fld>
             <a:endParaRPr lang="en-US" dirty="0"/>
           </a:p>
@@ -1031,7 +1031,7 @@
           <a:p>
             <a:fld id="{9ECC21AE-C854-42EF-90E6-1016E4386352}" type="datetimeFigureOut">
               <a:rPr lang="en-US" smtClean="0"/>
-              <a:t>9/12/20</a:t>
+              <a:t>10/11/20</a:t>
             </a:fld>
             <a:endParaRPr lang="en-US" dirty="0"/>
           </a:p>
@@ -1225,7 +1225,7 @@
           <a:p>
             <a:fld id="{9ECC21AE-C854-42EF-90E6-1016E4386352}" type="datetimeFigureOut">
               <a:rPr lang="en-US" smtClean="0"/>
-              <a:t>9/12/20</a:t>
+              <a:t>10/11/20</a:t>
             </a:fld>
             <a:endParaRPr lang="en-US" dirty="0"/>
           </a:p>
@@ -1493,7 +1493,7 @@
           <a:p>
             <a:fld id="{9ECC21AE-C854-42EF-90E6-1016E4386352}" type="datetimeFigureOut">
               <a:rPr lang="en-US" smtClean="0"/>
-              <a:t>9/12/20</a:t>
+              <a:t>10/11/20</a:t>
             </a:fld>
             <a:endParaRPr lang="en-US" dirty="0"/>
           </a:p>
@@ -1825,7 +1825,7 @@
           <a:p>
             <a:fld id="{9ECC21AE-C854-42EF-90E6-1016E4386352}" type="datetimeFigureOut">
               <a:rPr lang="en-US" smtClean="0"/>
-              <a:t>9/12/20</a:t>
+              <a:t>10/11/20</a:t>
             </a:fld>
             <a:endParaRPr lang="en-US" dirty="0"/>
           </a:p>
@@ -2435,7 +2435,7 @@
           <a:p>
             <a:fld id="{9ECC21AE-C854-42EF-90E6-1016E4386352}" type="datetimeFigureOut">
               <a:rPr lang="en-US" smtClean="0"/>
-              <a:t>9/12/20</a:t>
+              <a:t>10/11/20</a:t>
             </a:fld>
             <a:endParaRPr lang="en-US" dirty="0"/>
           </a:p>
@@ -3279,7 +3279,7 @@
           <a:p>
             <a:fld id="{9ECC21AE-C854-42EF-90E6-1016E4386352}" type="datetimeFigureOut">
               <a:rPr lang="en-US" smtClean="0"/>
-              <a:t>9/12/20</a:t>
+              <a:t>10/11/20</a:t>
             </a:fld>
             <a:endParaRPr lang="en-US" dirty="0"/>
           </a:p>
@@ -3449,7 +3449,7 @@
           <a:p>
             <a:fld id="{9ECC21AE-C854-42EF-90E6-1016E4386352}" type="datetimeFigureOut">
               <a:rPr lang="en-US" smtClean="0"/>
-              <a:t>9/12/20</a:t>
+              <a:t>10/11/20</a:t>
             </a:fld>
             <a:endParaRPr lang="en-US" dirty="0"/>
           </a:p>
@@ -3629,7 +3629,7 @@
           <a:p>
             <a:fld id="{9ECC21AE-C854-42EF-90E6-1016E4386352}" type="datetimeFigureOut">
               <a:rPr lang="en-US" smtClean="0"/>
-              <a:t>9/12/20</a:t>
+              <a:t>10/11/20</a:t>
             </a:fld>
             <a:endParaRPr lang="en-US" dirty="0"/>
           </a:p>
@@ -3712,7 +3712,7 @@
           <p:cNvPr id="2" name="Title 1">
             <a:extLst>
               <a:ext uri="{FF2B5EF4-FFF2-40B4-BE49-F238E27FC236}">
-                <a16:creationId xmlns:a16="http://schemas.microsoft.com/office/drawing/2014/main" xmlns="" id="{70396A43-5056-43F7-AB91-9684228F01C5}"/>
+                <a16:creationId xmlns="" xmlns:a16="http://schemas.microsoft.com/office/drawing/2014/main" id="{70396A43-5056-43F7-AB91-9684228F01C5}"/>
               </a:ext>
             </a:extLst>
           </p:cNvPr>
@@ -3749,7 +3749,7 @@
           <p:cNvPr id="3" name="Subtitle 2">
             <a:extLst>
               <a:ext uri="{FF2B5EF4-FFF2-40B4-BE49-F238E27FC236}">
-                <a16:creationId xmlns:a16="http://schemas.microsoft.com/office/drawing/2014/main" xmlns="" id="{9F83F82D-F087-49D6-BB37-B85F29C80756}"/>
+                <a16:creationId xmlns="" xmlns:a16="http://schemas.microsoft.com/office/drawing/2014/main" id="{9F83F82D-F087-49D6-BB37-B85F29C80756}"/>
               </a:ext>
             </a:extLst>
           </p:cNvPr>
@@ -3819,7 +3819,7 @@
           <p:cNvPr id="4" name="Date Placeholder 3">
             <a:extLst>
               <a:ext uri="{FF2B5EF4-FFF2-40B4-BE49-F238E27FC236}">
-                <a16:creationId xmlns:a16="http://schemas.microsoft.com/office/drawing/2014/main" xmlns="" id="{A1D522B2-3376-4163-9608-7A792408CC31}"/>
+                <a16:creationId xmlns="" xmlns:a16="http://schemas.microsoft.com/office/drawing/2014/main" id="{A1D522B2-3376-4163-9608-7A792408CC31}"/>
               </a:ext>
             </a:extLst>
           </p:cNvPr>
@@ -3844,7 +3844,7 @@
                 </a:solidFill>
               </a:rPr>
               <a:pPr/>
-              <a:t>9/12/20</a:t>
+              <a:t>10/11/20</a:t>
             </a:fld>
             <a:endParaRPr lang="en-US">
               <a:solidFill>
@@ -3861,7 +3861,7 @@
           <p:cNvPr id="5" name="Footer Placeholder 4">
             <a:extLst>
               <a:ext uri="{FF2B5EF4-FFF2-40B4-BE49-F238E27FC236}">
-                <a16:creationId xmlns:a16="http://schemas.microsoft.com/office/drawing/2014/main" xmlns="" id="{9F265BE5-9C9D-49BE-98F4-33A6FEE2289A}"/>
+                <a16:creationId xmlns="" xmlns:a16="http://schemas.microsoft.com/office/drawing/2014/main" id="{9F265BE5-9C9D-49BE-98F4-33A6FEE2289A}"/>
               </a:ext>
             </a:extLst>
           </p:cNvPr>
@@ -3892,7 +3892,7 @@
           <p:cNvPr id="6" name="Slide Number Placeholder 5">
             <a:extLst>
               <a:ext uri="{FF2B5EF4-FFF2-40B4-BE49-F238E27FC236}">
-                <a16:creationId xmlns:a16="http://schemas.microsoft.com/office/drawing/2014/main" xmlns="" id="{43EB6E53-FC0C-4D0D-BC1F-3DE1D49FA3AD}"/>
+                <a16:creationId xmlns="" xmlns:a16="http://schemas.microsoft.com/office/drawing/2014/main" id="{43EB6E53-FC0C-4D0D-BC1F-3DE1D49FA3AD}"/>
               </a:ext>
             </a:extLst>
           </p:cNvPr>
@@ -3960,7 +3960,7 @@
           <p:cNvPr id="2" name="Title 1">
             <a:extLst>
               <a:ext uri="{FF2B5EF4-FFF2-40B4-BE49-F238E27FC236}">
-                <a16:creationId xmlns:a16="http://schemas.microsoft.com/office/drawing/2014/main" xmlns="" id="{50F594B8-1E18-400A-9E0A-A7168DF3F964}"/>
+                <a16:creationId xmlns="" xmlns:a16="http://schemas.microsoft.com/office/drawing/2014/main" id="{50F594B8-1E18-400A-9E0A-A7168DF3F964}"/>
               </a:ext>
             </a:extLst>
           </p:cNvPr>
@@ -3988,7 +3988,7 @@
           <p:cNvPr id="3" name="Content Placeholder 2">
             <a:extLst>
               <a:ext uri="{FF2B5EF4-FFF2-40B4-BE49-F238E27FC236}">
-                <a16:creationId xmlns:a16="http://schemas.microsoft.com/office/drawing/2014/main" xmlns="" id="{A71C3F75-C85E-4E85-963A-DA4D20A847FF}"/>
+                <a16:creationId xmlns="" xmlns:a16="http://schemas.microsoft.com/office/drawing/2014/main" id="{A71C3F75-C85E-4E85-963A-DA4D20A847FF}"/>
               </a:ext>
             </a:extLst>
           </p:cNvPr>
@@ -4045,7 +4045,7 @@
           <p:cNvPr id="4" name="Date Placeholder 3">
             <a:extLst>
               <a:ext uri="{FF2B5EF4-FFF2-40B4-BE49-F238E27FC236}">
-                <a16:creationId xmlns:a16="http://schemas.microsoft.com/office/drawing/2014/main" xmlns="" id="{A4777D6C-38C1-4A45-913E-F5D8423E4B26}"/>
+                <a16:creationId xmlns="" xmlns:a16="http://schemas.microsoft.com/office/drawing/2014/main" id="{A4777D6C-38C1-4A45-913E-F5D8423E4B26}"/>
               </a:ext>
             </a:extLst>
           </p:cNvPr>
@@ -4070,7 +4070,7 @@
                 </a:solidFill>
               </a:rPr>
               <a:pPr/>
-              <a:t>9/12/20</a:t>
+              <a:t>10/11/20</a:t>
             </a:fld>
             <a:endParaRPr lang="en-US">
               <a:solidFill>
@@ -4087,7 +4087,7 @@
           <p:cNvPr id="5" name="Footer Placeholder 4">
             <a:extLst>
               <a:ext uri="{FF2B5EF4-FFF2-40B4-BE49-F238E27FC236}">
-                <a16:creationId xmlns:a16="http://schemas.microsoft.com/office/drawing/2014/main" xmlns="" id="{EABB5C84-C73A-4BDF-AE84-E50EFA838C18}"/>
+                <a16:creationId xmlns="" xmlns:a16="http://schemas.microsoft.com/office/drawing/2014/main" id="{EABB5C84-C73A-4BDF-AE84-E50EFA838C18}"/>
               </a:ext>
             </a:extLst>
           </p:cNvPr>
@@ -4118,7 +4118,7 @@
           <p:cNvPr id="6" name="Slide Number Placeholder 5">
             <a:extLst>
               <a:ext uri="{FF2B5EF4-FFF2-40B4-BE49-F238E27FC236}">
-                <a16:creationId xmlns:a16="http://schemas.microsoft.com/office/drawing/2014/main" xmlns="" id="{6780E398-AACC-4B64-A1FC-AB80BF097C63}"/>
+                <a16:creationId xmlns="" xmlns:a16="http://schemas.microsoft.com/office/drawing/2014/main" id="{6780E398-AACC-4B64-A1FC-AB80BF097C63}"/>
               </a:ext>
             </a:extLst>
           </p:cNvPr>
@@ -4273,7 +4273,7 @@
           <a:p>
             <a:fld id="{9ECC21AE-C854-42EF-90E6-1016E4386352}" type="datetimeFigureOut">
               <a:rPr lang="en-US" smtClean="0"/>
-              <a:t>9/12/20</a:t>
+              <a:t>10/11/20</a:t>
             </a:fld>
             <a:endParaRPr lang="en-US" dirty="0"/>
           </a:p>
@@ -4356,7 +4356,7 @@
           <p:cNvPr id="2" name="Title 1">
             <a:extLst>
               <a:ext uri="{FF2B5EF4-FFF2-40B4-BE49-F238E27FC236}">
-                <a16:creationId xmlns:a16="http://schemas.microsoft.com/office/drawing/2014/main" xmlns="" id="{5B68F61B-1862-4D4B-82DC-AF0BF1662610}"/>
+                <a16:creationId xmlns="" xmlns:a16="http://schemas.microsoft.com/office/drawing/2014/main" id="{5B68F61B-1862-4D4B-82DC-AF0BF1662610}"/>
               </a:ext>
             </a:extLst>
           </p:cNvPr>
@@ -4393,7 +4393,7 @@
           <p:cNvPr id="3" name="Text Placeholder 2">
             <a:extLst>
               <a:ext uri="{FF2B5EF4-FFF2-40B4-BE49-F238E27FC236}">
-                <a16:creationId xmlns:a16="http://schemas.microsoft.com/office/drawing/2014/main" xmlns="" id="{E9BF1F45-24BC-4C84-80E9-C78CB16E7A13}"/>
+                <a16:creationId xmlns="" xmlns:a16="http://schemas.microsoft.com/office/drawing/2014/main" id="{E9BF1F45-24BC-4C84-80E9-C78CB16E7A13}"/>
               </a:ext>
             </a:extLst>
           </p:cNvPr>
@@ -4518,7 +4518,7 @@
           <p:cNvPr id="4" name="Date Placeholder 3">
             <a:extLst>
               <a:ext uri="{FF2B5EF4-FFF2-40B4-BE49-F238E27FC236}">
-                <a16:creationId xmlns:a16="http://schemas.microsoft.com/office/drawing/2014/main" xmlns="" id="{93CC494E-232E-43FA-9A3F-6DBA3A232B78}"/>
+                <a16:creationId xmlns="" xmlns:a16="http://schemas.microsoft.com/office/drawing/2014/main" id="{93CC494E-232E-43FA-9A3F-6DBA3A232B78}"/>
               </a:ext>
             </a:extLst>
           </p:cNvPr>
@@ -4543,7 +4543,7 @@
                 </a:solidFill>
               </a:rPr>
               <a:pPr/>
-              <a:t>9/12/20</a:t>
+              <a:t>10/11/20</a:t>
             </a:fld>
             <a:endParaRPr lang="en-US">
               <a:solidFill>
@@ -4560,7 +4560,7 @@
           <p:cNvPr id="5" name="Footer Placeholder 4">
             <a:extLst>
               <a:ext uri="{FF2B5EF4-FFF2-40B4-BE49-F238E27FC236}">
-                <a16:creationId xmlns:a16="http://schemas.microsoft.com/office/drawing/2014/main" xmlns="" id="{55EC3B8B-D0BB-4948-8AEC-B48DCF671E76}"/>
+                <a16:creationId xmlns="" xmlns:a16="http://schemas.microsoft.com/office/drawing/2014/main" id="{55EC3B8B-D0BB-4948-8AEC-B48DCF671E76}"/>
               </a:ext>
             </a:extLst>
           </p:cNvPr>
@@ -4591,7 +4591,7 @@
           <p:cNvPr id="6" name="Slide Number Placeholder 5">
             <a:extLst>
               <a:ext uri="{FF2B5EF4-FFF2-40B4-BE49-F238E27FC236}">
-                <a16:creationId xmlns:a16="http://schemas.microsoft.com/office/drawing/2014/main" xmlns="" id="{B5E3113B-2B3E-4C52-8F8D-A9317FA28741}"/>
+                <a16:creationId xmlns="" xmlns:a16="http://schemas.microsoft.com/office/drawing/2014/main" id="{B5E3113B-2B3E-4C52-8F8D-A9317FA28741}"/>
               </a:ext>
             </a:extLst>
           </p:cNvPr>
@@ -4659,7 +4659,7 @@
           <p:cNvPr id="2" name="Title 1">
             <a:extLst>
               <a:ext uri="{FF2B5EF4-FFF2-40B4-BE49-F238E27FC236}">
-                <a16:creationId xmlns:a16="http://schemas.microsoft.com/office/drawing/2014/main" xmlns="" id="{CBDAF8D1-76CF-4AAF-B011-FA0E590905A0}"/>
+                <a16:creationId xmlns="" xmlns:a16="http://schemas.microsoft.com/office/drawing/2014/main" id="{CBDAF8D1-76CF-4AAF-B011-FA0E590905A0}"/>
               </a:ext>
             </a:extLst>
           </p:cNvPr>
@@ -4687,7 +4687,7 @@
           <p:cNvPr id="3" name="Content Placeholder 2">
             <a:extLst>
               <a:ext uri="{FF2B5EF4-FFF2-40B4-BE49-F238E27FC236}">
-                <a16:creationId xmlns:a16="http://schemas.microsoft.com/office/drawing/2014/main" xmlns="" id="{F82EDCDC-368A-47DD-AAF3-D8B85BACE3BC}"/>
+                <a16:creationId xmlns="" xmlns:a16="http://schemas.microsoft.com/office/drawing/2014/main" id="{F82EDCDC-368A-47DD-AAF3-D8B85BACE3BC}"/>
               </a:ext>
             </a:extLst>
           </p:cNvPr>
@@ -4749,7 +4749,7 @@
           <p:cNvPr id="4" name="Content Placeholder 3">
             <a:extLst>
               <a:ext uri="{FF2B5EF4-FFF2-40B4-BE49-F238E27FC236}">
-                <a16:creationId xmlns:a16="http://schemas.microsoft.com/office/drawing/2014/main" xmlns="" id="{675DBC3B-C496-4436-9320-3F55AFE004A3}"/>
+                <a16:creationId xmlns="" xmlns:a16="http://schemas.microsoft.com/office/drawing/2014/main" id="{675DBC3B-C496-4436-9320-3F55AFE004A3}"/>
               </a:ext>
             </a:extLst>
           </p:cNvPr>
@@ -4811,7 +4811,7 @@
           <p:cNvPr id="5" name="Date Placeholder 4">
             <a:extLst>
               <a:ext uri="{FF2B5EF4-FFF2-40B4-BE49-F238E27FC236}">
-                <a16:creationId xmlns:a16="http://schemas.microsoft.com/office/drawing/2014/main" xmlns="" id="{056BDB01-07E0-455F-A9A9-15F46C068B22}"/>
+                <a16:creationId xmlns="" xmlns:a16="http://schemas.microsoft.com/office/drawing/2014/main" id="{056BDB01-07E0-455F-A9A9-15F46C068B22}"/>
               </a:ext>
             </a:extLst>
           </p:cNvPr>
@@ -4836,7 +4836,7 @@
                 </a:solidFill>
               </a:rPr>
               <a:pPr/>
-              <a:t>9/12/20</a:t>
+              <a:t>10/11/20</a:t>
             </a:fld>
             <a:endParaRPr lang="en-US">
               <a:solidFill>
@@ -4853,7 +4853,7 @@
           <p:cNvPr id="6" name="Footer Placeholder 5">
             <a:extLst>
               <a:ext uri="{FF2B5EF4-FFF2-40B4-BE49-F238E27FC236}">
-                <a16:creationId xmlns:a16="http://schemas.microsoft.com/office/drawing/2014/main" xmlns="" id="{7072D23C-2A1B-4305-9D10-E551041571CD}"/>
+                <a16:creationId xmlns="" xmlns:a16="http://schemas.microsoft.com/office/drawing/2014/main" id="{7072D23C-2A1B-4305-9D10-E551041571CD}"/>
               </a:ext>
             </a:extLst>
           </p:cNvPr>
@@ -4884,7 +4884,7 @@
           <p:cNvPr id="7" name="Slide Number Placeholder 6">
             <a:extLst>
               <a:ext uri="{FF2B5EF4-FFF2-40B4-BE49-F238E27FC236}">
-                <a16:creationId xmlns:a16="http://schemas.microsoft.com/office/drawing/2014/main" xmlns="" id="{81276F88-60CB-4E9C-B6C0-E1B08BBB61B7}"/>
+                <a16:creationId xmlns="" xmlns:a16="http://schemas.microsoft.com/office/drawing/2014/main" id="{81276F88-60CB-4E9C-B6C0-E1B08BBB61B7}"/>
               </a:ext>
             </a:extLst>
           </p:cNvPr>
@@ -4952,7 +4952,7 @@
           <p:cNvPr id="2" name="Title 1">
             <a:extLst>
               <a:ext uri="{FF2B5EF4-FFF2-40B4-BE49-F238E27FC236}">
-                <a16:creationId xmlns:a16="http://schemas.microsoft.com/office/drawing/2014/main" xmlns="" id="{641FF6EA-3FDC-405D-9848-4806EDA76D19}"/>
+                <a16:creationId xmlns="" xmlns:a16="http://schemas.microsoft.com/office/drawing/2014/main" id="{641FF6EA-3FDC-405D-9848-4806EDA76D19}"/>
               </a:ext>
             </a:extLst>
           </p:cNvPr>
@@ -4985,7 +4985,7 @@
           <p:cNvPr id="3" name="Text Placeholder 2">
             <a:extLst>
               <a:ext uri="{FF2B5EF4-FFF2-40B4-BE49-F238E27FC236}">
-                <a16:creationId xmlns:a16="http://schemas.microsoft.com/office/drawing/2014/main" xmlns="" id="{A496EBF7-06FB-4C8E-A351-E23A7A1AFCFE}"/>
+                <a16:creationId xmlns="" xmlns:a16="http://schemas.microsoft.com/office/drawing/2014/main" id="{A496EBF7-06FB-4C8E-A351-E23A7A1AFCFE}"/>
               </a:ext>
             </a:extLst>
           </p:cNvPr>
@@ -5056,7 +5056,7 @@
           <p:cNvPr id="4" name="Content Placeholder 3">
             <a:extLst>
               <a:ext uri="{FF2B5EF4-FFF2-40B4-BE49-F238E27FC236}">
-                <a16:creationId xmlns:a16="http://schemas.microsoft.com/office/drawing/2014/main" xmlns="" id="{54005719-06E4-4EE9-BB31-73076F2B5F4B}"/>
+                <a16:creationId xmlns="" xmlns:a16="http://schemas.microsoft.com/office/drawing/2014/main" id="{54005719-06E4-4EE9-BB31-73076F2B5F4B}"/>
               </a:ext>
             </a:extLst>
           </p:cNvPr>
@@ -5118,7 +5118,7 @@
           <p:cNvPr id="5" name="Text Placeholder 4">
             <a:extLst>
               <a:ext uri="{FF2B5EF4-FFF2-40B4-BE49-F238E27FC236}">
-                <a16:creationId xmlns:a16="http://schemas.microsoft.com/office/drawing/2014/main" xmlns="" id="{F5A11E9E-1EB0-4A7D-8FBC-0123F742E0B3}"/>
+                <a16:creationId xmlns="" xmlns:a16="http://schemas.microsoft.com/office/drawing/2014/main" id="{F5A11E9E-1EB0-4A7D-8FBC-0123F742E0B3}"/>
               </a:ext>
             </a:extLst>
           </p:cNvPr>
@@ -5189,7 +5189,7 @@
           <p:cNvPr id="6" name="Content Placeholder 5">
             <a:extLst>
               <a:ext uri="{FF2B5EF4-FFF2-40B4-BE49-F238E27FC236}">
-                <a16:creationId xmlns:a16="http://schemas.microsoft.com/office/drawing/2014/main" xmlns="" id="{1E87BC82-D47C-4F7A-987C-7EEDC9B53C83}"/>
+                <a16:creationId xmlns="" xmlns:a16="http://schemas.microsoft.com/office/drawing/2014/main" id="{1E87BC82-D47C-4F7A-987C-7EEDC9B53C83}"/>
               </a:ext>
             </a:extLst>
           </p:cNvPr>
@@ -5251,7 +5251,7 @@
           <p:cNvPr id="7" name="Date Placeholder 6">
             <a:extLst>
               <a:ext uri="{FF2B5EF4-FFF2-40B4-BE49-F238E27FC236}">
-                <a16:creationId xmlns:a16="http://schemas.microsoft.com/office/drawing/2014/main" xmlns="" id="{8511EAE8-CEDA-4085-8423-14FA4B020357}"/>
+                <a16:creationId xmlns="" xmlns:a16="http://schemas.microsoft.com/office/drawing/2014/main" id="{8511EAE8-CEDA-4085-8423-14FA4B020357}"/>
               </a:ext>
             </a:extLst>
           </p:cNvPr>
@@ -5276,7 +5276,7 @@
                 </a:solidFill>
               </a:rPr>
               <a:pPr/>
-              <a:t>9/12/20</a:t>
+              <a:t>10/11/20</a:t>
             </a:fld>
             <a:endParaRPr lang="en-US">
               <a:solidFill>
@@ -5293,7 +5293,7 @@
           <p:cNvPr id="8" name="Footer Placeholder 7">
             <a:extLst>
               <a:ext uri="{FF2B5EF4-FFF2-40B4-BE49-F238E27FC236}">
-                <a16:creationId xmlns:a16="http://schemas.microsoft.com/office/drawing/2014/main" xmlns="" id="{11DE501E-B1D4-47F2-812B-306ECD3934FC}"/>
+                <a16:creationId xmlns="" xmlns:a16="http://schemas.microsoft.com/office/drawing/2014/main" id="{11DE501E-B1D4-47F2-812B-306ECD3934FC}"/>
               </a:ext>
             </a:extLst>
           </p:cNvPr>
@@ -5324,7 +5324,7 @@
           <p:cNvPr id="9" name="Slide Number Placeholder 8">
             <a:extLst>
               <a:ext uri="{FF2B5EF4-FFF2-40B4-BE49-F238E27FC236}">
-                <a16:creationId xmlns:a16="http://schemas.microsoft.com/office/drawing/2014/main" xmlns="" id="{D1BC3A90-4464-41F9-B5AD-CF914ECECF8D}"/>
+                <a16:creationId xmlns="" xmlns:a16="http://schemas.microsoft.com/office/drawing/2014/main" id="{D1BC3A90-4464-41F9-B5AD-CF914ECECF8D}"/>
               </a:ext>
             </a:extLst>
           </p:cNvPr>
@@ -5392,7 +5392,7 @@
           <p:cNvPr id="2" name="Title 1">
             <a:extLst>
               <a:ext uri="{FF2B5EF4-FFF2-40B4-BE49-F238E27FC236}">
-                <a16:creationId xmlns:a16="http://schemas.microsoft.com/office/drawing/2014/main" xmlns="" id="{635AB128-F04A-497B-AC20-83EA38F9ECCF}"/>
+                <a16:creationId xmlns="" xmlns:a16="http://schemas.microsoft.com/office/drawing/2014/main" id="{635AB128-F04A-497B-AC20-83EA38F9ECCF}"/>
               </a:ext>
             </a:extLst>
           </p:cNvPr>
@@ -5420,7 +5420,7 @@
           <p:cNvPr id="3" name="Date Placeholder 2">
             <a:extLst>
               <a:ext uri="{FF2B5EF4-FFF2-40B4-BE49-F238E27FC236}">
-                <a16:creationId xmlns:a16="http://schemas.microsoft.com/office/drawing/2014/main" xmlns="" id="{6D95322D-E9AA-4AE0-B167-7DFBFF42D1ED}"/>
+                <a16:creationId xmlns="" xmlns:a16="http://schemas.microsoft.com/office/drawing/2014/main" id="{6D95322D-E9AA-4AE0-B167-7DFBFF42D1ED}"/>
               </a:ext>
             </a:extLst>
           </p:cNvPr>
@@ -5445,7 +5445,7 @@
                 </a:solidFill>
               </a:rPr>
               <a:pPr/>
-              <a:t>9/12/20</a:t>
+              <a:t>10/11/20</a:t>
             </a:fld>
             <a:endParaRPr lang="en-US">
               <a:solidFill>
@@ -5462,7 +5462,7 @@
           <p:cNvPr id="4" name="Footer Placeholder 3">
             <a:extLst>
               <a:ext uri="{FF2B5EF4-FFF2-40B4-BE49-F238E27FC236}">
-                <a16:creationId xmlns:a16="http://schemas.microsoft.com/office/drawing/2014/main" xmlns="" id="{D21F6DDD-A06C-407A-8601-08191F6A9F2B}"/>
+                <a16:creationId xmlns="" xmlns:a16="http://schemas.microsoft.com/office/drawing/2014/main" id="{D21F6DDD-A06C-407A-8601-08191F6A9F2B}"/>
               </a:ext>
             </a:extLst>
           </p:cNvPr>
@@ -5493,7 +5493,7 @@
           <p:cNvPr id="5" name="Slide Number Placeholder 4">
             <a:extLst>
               <a:ext uri="{FF2B5EF4-FFF2-40B4-BE49-F238E27FC236}">
-                <a16:creationId xmlns:a16="http://schemas.microsoft.com/office/drawing/2014/main" xmlns="" id="{A58E20FE-D7D0-4ACD-A627-D1ED2D93F2DC}"/>
+                <a16:creationId xmlns="" xmlns:a16="http://schemas.microsoft.com/office/drawing/2014/main" id="{A58E20FE-D7D0-4ACD-A627-D1ED2D93F2DC}"/>
               </a:ext>
             </a:extLst>
           </p:cNvPr>
@@ -5561,7 +5561,7 @@
           <p:cNvPr id="2" name="Date Placeholder 1">
             <a:extLst>
               <a:ext uri="{FF2B5EF4-FFF2-40B4-BE49-F238E27FC236}">
-                <a16:creationId xmlns:a16="http://schemas.microsoft.com/office/drawing/2014/main" xmlns="" id="{C24D523C-E3E0-4141-9795-F8C0D77A80F6}"/>
+                <a16:creationId xmlns="" xmlns:a16="http://schemas.microsoft.com/office/drawing/2014/main" id="{C24D523C-E3E0-4141-9795-F8C0D77A80F6}"/>
               </a:ext>
             </a:extLst>
           </p:cNvPr>
@@ -5586,7 +5586,7 @@
                 </a:solidFill>
               </a:rPr>
               <a:pPr/>
-              <a:t>9/12/20</a:t>
+              <a:t>10/11/20</a:t>
             </a:fld>
             <a:endParaRPr lang="en-US">
               <a:solidFill>
@@ -5603,7 +5603,7 @@
           <p:cNvPr id="3" name="Footer Placeholder 2">
             <a:extLst>
               <a:ext uri="{FF2B5EF4-FFF2-40B4-BE49-F238E27FC236}">
-                <a16:creationId xmlns:a16="http://schemas.microsoft.com/office/drawing/2014/main" xmlns="" id="{8D4FEA45-9058-4C9F-9D3D-C127B0DFB433}"/>
+                <a16:creationId xmlns="" xmlns:a16="http://schemas.microsoft.com/office/drawing/2014/main" id="{8D4FEA45-9058-4C9F-9D3D-C127B0DFB433}"/>
               </a:ext>
             </a:extLst>
           </p:cNvPr>
@@ -5634,7 +5634,7 @@
           <p:cNvPr id="4" name="Slide Number Placeholder 3">
             <a:extLst>
               <a:ext uri="{FF2B5EF4-FFF2-40B4-BE49-F238E27FC236}">
-                <a16:creationId xmlns:a16="http://schemas.microsoft.com/office/drawing/2014/main" xmlns="" id="{7F1A55E5-F9A5-43CD-84D3-6E7CBA23D1ED}"/>
+                <a16:creationId xmlns="" xmlns:a16="http://schemas.microsoft.com/office/drawing/2014/main" id="{7F1A55E5-F9A5-43CD-84D3-6E7CBA23D1ED}"/>
               </a:ext>
             </a:extLst>
           </p:cNvPr>
@@ -5702,7 +5702,7 @@
           <p:cNvPr id="2" name="Title 1">
             <a:extLst>
               <a:ext uri="{FF2B5EF4-FFF2-40B4-BE49-F238E27FC236}">
-                <a16:creationId xmlns:a16="http://schemas.microsoft.com/office/drawing/2014/main" xmlns="" id="{00A8BE5C-3E50-437E-A3C4-4F56D3E763EA}"/>
+                <a16:creationId xmlns="" xmlns:a16="http://schemas.microsoft.com/office/drawing/2014/main" id="{00A8BE5C-3E50-437E-A3C4-4F56D3E763EA}"/>
               </a:ext>
             </a:extLst>
           </p:cNvPr>
@@ -5739,7 +5739,7 @@
           <p:cNvPr id="3" name="Content Placeholder 2">
             <a:extLst>
               <a:ext uri="{FF2B5EF4-FFF2-40B4-BE49-F238E27FC236}">
-                <a16:creationId xmlns:a16="http://schemas.microsoft.com/office/drawing/2014/main" xmlns="" id="{F393E5FE-3559-4978-A9F8-6A32745467A9}"/>
+                <a16:creationId xmlns="" xmlns:a16="http://schemas.microsoft.com/office/drawing/2014/main" id="{F393E5FE-3559-4978-A9F8-6A32745467A9}"/>
               </a:ext>
             </a:extLst>
           </p:cNvPr>
@@ -5829,7 +5829,7 @@
           <p:cNvPr id="4" name="Text Placeholder 3">
             <a:extLst>
               <a:ext uri="{FF2B5EF4-FFF2-40B4-BE49-F238E27FC236}">
-                <a16:creationId xmlns:a16="http://schemas.microsoft.com/office/drawing/2014/main" xmlns="" id="{B47F072C-274D-47CF-B87D-C5E9DED359AE}"/>
+                <a16:creationId xmlns="" xmlns:a16="http://schemas.microsoft.com/office/drawing/2014/main" id="{B47F072C-274D-47CF-B87D-C5E9DED359AE}"/>
               </a:ext>
             </a:extLst>
           </p:cNvPr>
@@ -5900,7 +5900,7 @@
           <p:cNvPr id="5" name="Date Placeholder 4">
             <a:extLst>
               <a:ext uri="{FF2B5EF4-FFF2-40B4-BE49-F238E27FC236}">
-                <a16:creationId xmlns:a16="http://schemas.microsoft.com/office/drawing/2014/main" xmlns="" id="{6ED82F0D-A5A4-46FB-A009-A7C0B6AE49A4}"/>
+                <a16:creationId xmlns="" xmlns:a16="http://schemas.microsoft.com/office/drawing/2014/main" id="{6ED82F0D-A5A4-46FB-A009-A7C0B6AE49A4}"/>
               </a:ext>
             </a:extLst>
           </p:cNvPr>
@@ -5925,7 +5925,7 @@
                 </a:solidFill>
               </a:rPr>
               <a:pPr/>
-              <a:t>9/12/20</a:t>
+              <a:t>10/11/20</a:t>
             </a:fld>
             <a:endParaRPr lang="en-US">
               <a:solidFill>
@@ -5942,7 +5942,7 @@
           <p:cNvPr id="6" name="Footer Placeholder 5">
             <a:extLst>
               <a:ext uri="{FF2B5EF4-FFF2-40B4-BE49-F238E27FC236}">
-                <a16:creationId xmlns:a16="http://schemas.microsoft.com/office/drawing/2014/main" xmlns="" id="{EFC96E5C-5F5D-4A20-90E6-38D2BB3F640F}"/>
+                <a16:creationId xmlns="" xmlns:a16="http://schemas.microsoft.com/office/drawing/2014/main" id="{EFC96E5C-5F5D-4A20-90E6-38D2BB3F640F}"/>
               </a:ext>
             </a:extLst>
           </p:cNvPr>
@@ -5973,7 +5973,7 @@
           <p:cNvPr id="7" name="Slide Number Placeholder 6">
             <a:extLst>
               <a:ext uri="{FF2B5EF4-FFF2-40B4-BE49-F238E27FC236}">
-                <a16:creationId xmlns:a16="http://schemas.microsoft.com/office/drawing/2014/main" xmlns="" id="{F88EE239-54CE-4B68-8115-45D329924434}"/>
+                <a16:creationId xmlns="" xmlns:a16="http://schemas.microsoft.com/office/drawing/2014/main" id="{F88EE239-54CE-4B68-8115-45D329924434}"/>
               </a:ext>
             </a:extLst>
           </p:cNvPr>
@@ -6041,7 +6041,7 @@
           <p:cNvPr id="2" name="Title 1">
             <a:extLst>
               <a:ext uri="{FF2B5EF4-FFF2-40B4-BE49-F238E27FC236}">
-                <a16:creationId xmlns:a16="http://schemas.microsoft.com/office/drawing/2014/main" xmlns="" id="{3FA8A8F1-2917-499C-AF6B-F6F8BE79E5A0}"/>
+                <a16:creationId xmlns="" xmlns:a16="http://schemas.microsoft.com/office/drawing/2014/main" id="{3FA8A8F1-2917-499C-AF6B-F6F8BE79E5A0}"/>
               </a:ext>
             </a:extLst>
           </p:cNvPr>
@@ -6078,7 +6078,7 @@
           <p:cNvPr id="3" name="Picture Placeholder 2">
             <a:extLst>
               <a:ext uri="{FF2B5EF4-FFF2-40B4-BE49-F238E27FC236}">
-                <a16:creationId xmlns:a16="http://schemas.microsoft.com/office/drawing/2014/main" xmlns="" id="{8400F5B9-2E85-4F69-9892-32F0AC237ED1}"/>
+                <a16:creationId xmlns="" xmlns:a16="http://schemas.microsoft.com/office/drawing/2014/main" id="{8400F5B9-2E85-4F69-9892-32F0AC237ED1}"/>
               </a:ext>
             </a:extLst>
           </p:cNvPr>
@@ -6145,7 +6145,7 @@
           <p:cNvPr id="4" name="Text Placeholder 3">
             <a:extLst>
               <a:ext uri="{FF2B5EF4-FFF2-40B4-BE49-F238E27FC236}">
-                <a16:creationId xmlns:a16="http://schemas.microsoft.com/office/drawing/2014/main" xmlns="" id="{BBD42F88-A155-4AFC-B4EB-30265EDE7E3B}"/>
+                <a16:creationId xmlns="" xmlns:a16="http://schemas.microsoft.com/office/drawing/2014/main" id="{BBD42F88-A155-4AFC-B4EB-30265EDE7E3B}"/>
               </a:ext>
             </a:extLst>
           </p:cNvPr>
@@ -6216,7 +6216,7 @@
           <p:cNvPr id="5" name="Date Placeholder 4">
             <a:extLst>
               <a:ext uri="{FF2B5EF4-FFF2-40B4-BE49-F238E27FC236}">
-                <a16:creationId xmlns:a16="http://schemas.microsoft.com/office/drawing/2014/main" xmlns="" id="{BEA28A34-FBC0-4869-BA21-8843EA9B9021}"/>
+                <a16:creationId xmlns="" xmlns:a16="http://schemas.microsoft.com/office/drawing/2014/main" id="{BEA28A34-FBC0-4869-BA21-8843EA9B9021}"/>
               </a:ext>
             </a:extLst>
           </p:cNvPr>
@@ -6241,7 +6241,7 @@
                 </a:solidFill>
               </a:rPr>
               <a:pPr/>
-              <a:t>9/12/20</a:t>
+              <a:t>10/11/20</a:t>
             </a:fld>
             <a:endParaRPr lang="en-US">
               <a:solidFill>
@@ -6258,7 +6258,7 @@
           <p:cNvPr id="6" name="Footer Placeholder 5">
             <a:extLst>
               <a:ext uri="{FF2B5EF4-FFF2-40B4-BE49-F238E27FC236}">
-                <a16:creationId xmlns:a16="http://schemas.microsoft.com/office/drawing/2014/main" xmlns="" id="{D3DE6C40-03CA-40A7-8DB5-C75F4666BC72}"/>
+                <a16:creationId xmlns="" xmlns:a16="http://schemas.microsoft.com/office/drawing/2014/main" id="{D3DE6C40-03CA-40A7-8DB5-C75F4666BC72}"/>
               </a:ext>
             </a:extLst>
           </p:cNvPr>
@@ -6289,7 +6289,7 @@
           <p:cNvPr id="7" name="Slide Number Placeholder 6">
             <a:extLst>
               <a:ext uri="{FF2B5EF4-FFF2-40B4-BE49-F238E27FC236}">
-                <a16:creationId xmlns:a16="http://schemas.microsoft.com/office/drawing/2014/main" xmlns="" id="{1F090C83-D7CC-489B-9C42-B1AA224F2304}"/>
+                <a16:creationId xmlns="" xmlns:a16="http://schemas.microsoft.com/office/drawing/2014/main" id="{1F090C83-D7CC-489B-9C42-B1AA224F2304}"/>
               </a:ext>
             </a:extLst>
           </p:cNvPr>
@@ -6357,7 +6357,7 @@
           <p:cNvPr id="2" name="Title 1">
             <a:extLst>
               <a:ext uri="{FF2B5EF4-FFF2-40B4-BE49-F238E27FC236}">
-                <a16:creationId xmlns:a16="http://schemas.microsoft.com/office/drawing/2014/main" xmlns="" id="{4740CE3F-B436-406E-81A6-85B809C72CE2}"/>
+                <a16:creationId xmlns="" xmlns:a16="http://schemas.microsoft.com/office/drawing/2014/main" id="{4740CE3F-B436-406E-81A6-85B809C72CE2}"/>
               </a:ext>
             </a:extLst>
           </p:cNvPr>
@@ -6385,7 +6385,7 @@
           <p:cNvPr id="3" name="Vertical Text Placeholder 2">
             <a:extLst>
               <a:ext uri="{FF2B5EF4-FFF2-40B4-BE49-F238E27FC236}">
-                <a16:creationId xmlns:a16="http://schemas.microsoft.com/office/drawing/2014/main" xmlns="" id="{66E0D32E-221E-4B8E-B047-A45F8F1AD4BE}"/>
+                <a16:creationId xmlns="" xmlns:a16="http://schemas.microsoft.com/office/drawing/2014/main" id="{66E0D32E-221E-4B8E-B047-A45F8F1AD4BE}"/>
               </a:ext>
             </a:extLst>
           </p:cNvPr>
@@ -6442,7 +6442,7 @@
           <p:cNvPr id="4" name="Date Placeholder 3">
             <a:extLst>
               <a:ext uri="{FF2B5EF4-FFF2-40B4-BE49-F238E27FC236}">
-                <a16:creationId xmlns:a16="http://schemas.microsoft.com/office/drawing/2014/main" xmlns="" id="{6FB6FE21-73DA-4AD3-A94D-5443F61E6740}"/>
+                <a16:creationId xmlns="" xmlns:a16="http://schemas.microsoft.com/office/drawing/2014/main" id="{6FB6FE21-73DA-4AD3-A94D-5443F61E6740}"/>
               </a:ext>
             </a:extLst>
           </p:cNvPr>
@@ -6467,7 +6467,7 @@
                 </a:solidFill>
               </a:rPr>
               <a:pPr/>
-              <a:t>9/12/20</a:t>
+              <a:t>10/11/20</a:t>
             </a:fld>
             <a:endParaRPr lang="en-US">
               <a:solidFill>
@@ -6484,7 +6484,7 @@
           <p:cNvPr id="5" name="Footer Placeholder 4">
             <a:extLst>
               <a:ext uri="{FF2B5EF4-FFF2-40B4-BE49-F238E27FC236}">
-                <a16:creationId xmlns:a16="http://schemas.microsoft.com/office/drawing/2014/main" xmlns="" id="{A44A6517-FF91-432F-B518-FA127C14FD8F}"/>
+                <a16:creationId xmlns="" xmlns:a16="http://schemas.microsoft.com/office/drawing/2014/main" id="{A44A6517-FF91-432F-B518-FA127C14FD8F}"/>
               </a:ext>
             </a:extLst>
           </p:cNvPr>
@@ -6515,7 +6515,7 @@
           <p:cNvPr id="6" name="Slide Number Placeholder 5">
             <a:extLst>
               <a:ext uri="{FF2B5EF4-FFF2-40B4-BE49-F238E27FC236}">
-                <a16:creationId xmlns:a16="http://schemas.microsoft.com/office/drawing/2014/main" xmlns="" id="{A195C9CA-305E-4FEE-B8ED-F53507C58A90}"/>
+                <a16:creationId xmlns="" xmlns:a16="http://schemas.microsoft.com/office/drawing/2014/main" id="{A195C9CA-305E-4FEE-B8ED-F53507C58A90}"/>
               </a:ext>
             </a:extLst>
           </p:cNvPr>
@@ -6583,7 +6583,7 @@
           <p:cNvPr id="2" name="Vertical Title 1">
             <a:extLst>
               <a:ext uri="{FF2B5EF4-FFF2-40B4-BE49-F238E27FC236}">
-                <a16:creationId xmlns:a16="http://schemas.microsoft.com/office/drawing/2014/main" xmlns="" id="{AC7CC68D-0929-46D0-89AC-8296275049E2}"/>
+                <a16:creationId xmlns="" xmlns:a16="http://schemas.microsoft.com/office/drawing/2014/main" id="{AC7CC68D-0929-46D0-89AC-8296275049E2}"/>
               </a:ext>
             </a:extLst>
           </p:cNvPr>
@@ -6616,7 +6616,7 @@
           <p:cNvPr id="3" name="Vertical Text Placeholder 2">
             <a:extLst>
               <a:ext uri="{FF2B5EF4-FFF2-40B4-BE49-F238E27FC236}">
-                <a16:creationId xmlns:a16="http://schemas.microsoft.com/office/drawing/2014/main" xmlns="" id="{E39E6D3B-31AA-4A89-8082-F2946484645F}"/>
+                <a16:creationId xmlns="" xmlns:a16="http://schemas.microsoft.com/office/drawing/2014/main" id="{E39E6D3B-31AA-4A89-8082-F2946484645F}"/>
               </a:ext>
             </a:extLst>
           </p:cNvPr>
@@ -6678,7 +6678,7 @@
           <p:cNvPr id="4" name="Date Placeholder 3">
             <a:extLst>
               <a:ext uri="{FF2B5EF4-FFF2-40B4-BE49-F238E27FC236}">
-                <a16:creationId xmlns:a16="http://schemas.microsoft.com/office/drawing/2014/main" xmlns="" id="{3DB0DCC6-4560-4C6B-9D5F-A6B8CF8A93FA}"/>
+                <a16:creationId xmlns="" xmlns:a16="http://schemas.microsoft.com/office/drawing/2014/main" id="{3DB0DCC6-4560-4C6B-9D5F-A6B8CF8A93FA}"/>
               </a:ext>
             </a:extLst>
           </p:cNvPr>
@@ -6703,7 +6703,7 @@
                 </a:solidFill>
               </a:rPr>
               <a:pPr/>
-              <a:t>9/12/20</a:t>
+              <a:t>10/11/20</a:t>
             </a:fld>
             <a:endParaRPr lang="en-US">
               <a:solidFill>
@@ -6720,7 +6720,7 @@
           <p:cNvPr id="5" name="Footer Placeholder 4">
             <a:extLst>
               <a:ext uri="{FF2B5EF4-FFF2-40B4-BE49-F238E27FC236}">
-                <a16:creationId xmlns:a16="http://schemas.microsoft.com/office/drawing/2014/main" xmlns="" id="{4469131A-68B7-4A3C-94EB-A6BBBAAA7D98}"/>
+                <a16:creationId xmlns="" xmlns:a16="http://schemas.microsoft.com/office/drawing/2014/main" id="{4469131A-68B7-4A3C-94EB-A6BBBAAA7D98}"/>
               </a:ext>
             </a:extLst>
           </p:cNvPr>
@@ -6751,7 +6751,7 @@
           <p:cNvPr id="6" name="Slide Number Placeholder 5">
             <a:extLst>
               <a:ext uri="{FF2B5EF4-FFF2-40B4-BE49-F238E27FC236}">
-                <a16:creationId xmlns:a16="http://schemas.microsoft.com/office/drawing/2014/main" xmlns="" id="{72018C26-E8D1-4FE8-81D1-08D51D520B24}"/>
+                <a16:creationId xmlns="" xmlns:a16="http://schemas.microsoft.com/office/drawing/2014/main" id="{72018C26-E8D1-4FE8-81D1-08D51D520B24}"/>
               </a:ext>
             </a:extLst>
           </p:cNvPr>
@@ -6980,7 +6980,7 @@
           <a:p>
             <a:fld id="{9ECC21AE-C854-42EF-90E6-1016E4386352}" type="datetimeFigureOut">
               <a:rPr lang="en-US" smtClean="0"/>
-              <a:t>9/12/20</a:t>
+              <a:t>10/11/20</a:t>
             </a:fld>
             <a:endParaRPr lang="en-US" dirty="0"/>
           </a:p>
@@ -7272,7 +7272,7 @@
           <a:p>
             <a:fld id="{9ECC21AE-C854-42EF-90E6-1016E4386352}" type="datetimeFigureOut">
               <a:rPr lang="en-US" smtClean="0"/>
-              <a:t>9/12/20</a:t>
+              <a:t>10/11/20</a:t>
             </a:fld>
             <a:endParaRPr lang="en-US" dirty="0"/>
           </a:p>
@@ -7710,7 +7710,7 @@
           <a:p>
             <a:fld id="{9ECC21AE-C854-42EF-90E6-1016E4386352}" type="datetimeFigureOut">
               <a:rPr lang="en-US" smtClean="0"/>
-              <a:t>9/12/20</a:t>
+              <a:t>10/11/20</a:t>
             </a:fld>
             <a:endParaRPr lang="en-US" dirty="0"/>
           </a:p>
@@ -7828,7 +7828,7 @@
           <a:p>
             <a:fld id="{9ECC21AE-C854-42EF-90E6-1016E4386352}" type="datetimeFigureOut">
               <a:rPr lang="en-US" smtClean="0"/>
-              <a:t>9/12/20</a:t>
+              <a:t>10/11/20</a:t>
             </a:fld>
             <a:endParaRPr lang="en-US" dirty="0"/>
           </a:p>
@@ -7923,7 +7923,7 @@
           <a:p>
             <a:fld id="{9ECC21AE-C854-42EF-90E6-1016E4386352}" type="datetimeFigureOut">
               <a:rPr lang="en-US" smtClean="0"/>
-              <a:t>9/12/20</a:t>
+              <a:t>10/11/20</a:t>
             </a:fld>
             <a:endParaRPr lang="en-US" dirty="0"/>
           </a:p>
@@ -8202,7 +8202,7 @@
           <a:p>
             <a:fld id="{9ECC21AE-C854-42EF-90E6-1016E4386352}" type="datetimeFigureOut">
               <a:rPr lang="en-US" smtClean="0"/>
-              <a:t>9/12/20</a:t>
+              <a:t>10/11/20</a:t>
             </a:fld>
             <a:endParaRPr lang="en-US" dirty="0"/>
           </a:p>
@@ -8476,7 +8476,7 @@
           <a:p>
             <a:fld id="{9ECC21AE-C854-42EF-90E6-1016E4386352}" type="datetimeFigureOut">
               <a:rPr lang="en-US" smtClean="0"/>
-              <a:t>9/12/20</a:t>
+              <a:t>10/11/20</a:t>
             </a:fld>
             <a:endParaRPr lang="en-US" dirty="0"/>
           </a:p>
@@ -8905,7 +8905,7 @@
           <a:p>
             <a:fld id="{9ECC21AE-C854-42EF-90E6-1016E4386352}" type="datetimeFigureOut">
               <a:rPr lang="en-US" smtClean="0"/>
-              <a:t>9/12/20</a:t>
+              <a:t>10/11/20</a:t>
             </a:fld>
             <a:endParaRPr lang="en-US" dirty="0"/>
           </a:p>
@@ -9416,7 +9416,7 @@
           <p:cNvPr id="2" name="Title Placeholder 1">
             <a:extLst>
               <a:ext uri="{FF2B5EF4-FFF2-40B4-BE49-F238E27FC236}">
-                <a16:creationId xmlns:a16="http://schemas.microsoft.com/office/drawing/2014/main" xmlns="" id="{74743776-C17D-4001-AA05-A86149057DEF}"/>
+                <a16:creationId xmlns="" xmlns:a16="http://schemas.microsoft.com/office/drawing/2014/main" id="{74743776-C17D-4001-AA05-A86149057DEF}"/>
               </a:ext>
             </a:extLst>
           </p:cNvPr>
@@ -9454,7 +9454,7 @@
           <p:cNvPr id="3" name="Text Placeholder 2">
             <a:extLst>
               <a:ext uri="{FF2B5EF4-FFF2-40B4-BE49-F238E27FC236}">
-                <a16:creationId xmlns:a16="http://schemas.microsoft.com/office/drawing/2014/main" xmlns="" id="{15FE75D1-AEB6-4CA4-8BF4-00B27753C552}"/>
+                <a16:creationId xmlns="" xmlns:a16="http://schemas.microsoft.com/office/drawing/2014/main" id="{15FE75D1-AEB6-4CA4-8BF4-00B27753C552}"/>
               </a:ext>
             </a:extLst>
           </p:cNvPr>
@@ -9521,7 +9521,7 @@
           <p:cNvPr id="4" name="Date Placeholder 3">
             <a:extLst>
               <a:ext uri="{FF2B5EF4-FFF2-40B4-BE49-F238E27FC236}">
-                <a16:creationId xmlns:a16="http://schemas.microsoft.com/office/drawing/2014/main" xmlns="" id="{BBACC103-5583-4E53-8324-1C02468BD623}"/>
+                <a16:creationId xmlns="" xmlns:a16="http://schemas.microsoft.com/office/drawing/2014/main" id="{BBACC103-5583-4E53-8324-1C02468BD623}"/>
               </a:ext>
             </a:extLst>
           </p:cNvPr>
@@ -9565,7 +9565,7 @@
                 </a:solidFill>
               </a:rPr>
               <a:pPr defTabSz="914400"/>
-              <a:t>9/12/20</a:t>
+              <a:t>10/11/20</a:t>
             </a:fld>
             <a:endParaRPr lang="en-US">
               <a:solidFill>
@@ -9582,7 +9582,7 @@
           <p:cNvPr id="5" name="Footer Placeholder 4">
             <a:extLst>
               <a:ext uri="{FF2B5EF4-FFF2-40B4-BE49-F238E27FC236}">
-                <a16:creationId xmlns:a16="http://schemas.microsoft.com/office/drawing/2014/main" xmlns="" id="{F3F6A0F5-21CF-433C-96B7-3A22B847B0AB}"/>
+                <a16:creationId xmlns="" xmlns:a16="http://schemas.microsoft.com/office/drawing/2014/main" id="{F3F6A0F5-21CF-433C-96B7-3A22B847B0AB}"/>
               </a:ext>
             </a:extLst>
           </p:cNvPr>
@@ -9632,7 +9632,7 @@
           <p:cNvPr id="6" name="Slide Number Placeholder 5">
             <a:extLst>
               <a:ext uri="{FF2B5EF4-FFF2-40B4-BE49-F238E27FC236}">
-                <a16:creationId xmlns:a16="http://schemas.microsoft.com/office/drawing/2014/main" xmlns="" id="{6413A8FB-0F08-4E68-B0F2-0C1A8E54C6A3}"/>
+                <a16:creationId xmlns="" xmlns:a16="http://schemas.microsoft.com/office/drawing/2014/main" id="{6413A8FB-0F08-4E68-B0F2-0C1A8E54C6A3}"/>
               </a:ext>
             </a:extLst>
           </p:cNvPr>
@@ -10042,15 +10042,7 @@
                 <a:ea typeface="Times New Roman" charset="0"/>
                 <a:cs typeface="Times New Roman" charset="0"/>
               </a:rPr>
-              <a:t>Blue Waters Petascale</a:t>
-            </a:r>
-            <a:r>
-              <a:rPr lang="en-US" sz="3600" b="1" dirty="0">
-                <a:latin typeface="Times New Roman" charset="0"/>
-                <a:ea typeface="Times New Roman" charset="0"/>
-                <a:cs typeface="Times New Roman" charset="0"/>
-              </a:rPr>
-              <a:t> Semester Curriculum v1.0</a:t>
+              <a:t>Blue Waters Petascale Semester Curriculum v1.0</a:t>
             </a:r>
             <a:r>
               <a:rPr lang="en-US" sz="3600" dirty="0">
@@ -10168,11 +10160,6 @@
               </a:rPr>
               <a:t>for the Shodor Education Foundation, Inc.</a:t>
             </a:r>
-            <a:endParaRPr lang="en-US" sz="3600" i="1" dirty="0">
-              <a:latin typeface="Times New Roman" charset="0"/>
-              <a:ea typeface="Times New Roman" charset="0"/>
-              <a:cs typeface="Times New Roman" charset="0"/>
-            </a:endParaRPr>
           </a:p>
         </p:txBody>
       </p:sp>
@@ -10226,10 +10213,10 @@
           <p:cNvPr id="8" name="Rectangle 7">
             <a:extLst>
               <a:ext uri="{FF2B5EF4-FFF2-40B4-BE49-F238E27FC236}">
-                <a16:creationId xmlns:a16="http://schemas.microsoft.com/office/drawing/2014/main" xmlns="" id="{74CD14DB-BB81-479F-A1FC-1C75640E9F84}"/>
+                <a16:creationId xmlns="" xmlns:a16="http://schemas.microsoft.com/office/drawing/2014/main" id="{74CD14DB-BB81-479F-A1FC-1C75640E9F84}"/>
               </a:ext>
               <a:ext uri="{C183D7F6-B498-43B3-948B-1728B52AA6E4}">
-                <adec:decorative xmlns:adec="http://schemas.microsoft.com/office/drawing/2017/decorative" xmlns="" val="1"/>
+                <adec:decorative xmlns="" xmlns:adec="http://schemas.microsoft.com/office/drawing/2017/decorative" val="1"/>
               </a:ext>
             </a:extLst>
           </p:cNvPr>
@@ -10315,10 +10302,10 @@
           <p:cNvPr id="10" name="Rectangle 9">
             <a:extLst>
               <a:ext uri="{FF2B5EF4-FFF2-40B4-BE49-F238E27FC236}">
-                <a16:creationId xmlns:a16="http://schemas.microsoft.com/office/drawing/2014/main" xmlns="" id="{C943A91B-7CA7-4592-A975-73B1BF8C4C74}"/>
+                <a16:creationId xmlns="" xmlns:a16="http://schemas.microsoft.com/office/drawing/2014/main" id="{C943A91B-7CA7-4592-A975-73B1BF8C4C74}"/>
               </a:ext>
               <a:ext uri="{C183D7F6-B498-43B3-948B-1728B52AA6E4}">
-                <adec:decorative xmlns:adec="http://schemas.microsoft.com/office/drawing/2017/decorative" xmlns="" val="1"/>
+                <adec:decorative xmlns="" xmlns:adec="http://schemas.microsoft.com/office/drawing/2017/decorative" val="1"/>
               </a:ext>
             </a:extLst>
           </p:cNvPr>
@@ -10368,10 +10355,10 @@
           <p:cNvPr id="12" name="Freeform 7">
             <a:extLst>
               <a:ext uri="{FF2B5EF4-FFF2-40B4-BE49-F238E27FC236}">
-                <a16:creationId xmlns:a16="http://schemas.microsoft.com/office/drawing/2014/main" xmlns="" id="{EC471314-E46A-414B-8D91-74880E84F187}"/>
+                <a16:creationId xmlns="" xmlns:a16="http://schemas.microsoft.com/office/drawing/2014/main" id="{EC471314-E46A-414B-8D91-74880E84F187}"/>
               </a:ext>
               <a:ext uri="{C183D7F6-B498-43B3-948B-1728B52AA6E4}">
-                <adec:decorative xmlns:adec="http://schemas.microsoft.com/office/drawing/2017/decorative" xmlns="" val="1"/>
+                <adec:decorative xmlns="" xmlns:adec="http://schemas.microsoft.com/office/drawing/2017/decorative" val="1"/>
               </a:ext>
             </a:extLst>
           </p:cNvPr>
@@ -10757,10 +10744,10 @@
           <p:cNvPr id="14" name="Freeform: Shape 13">
             <a:extLst>
               <a:ext uri="{FF2B5EF4-FFF2-40B4-BE49-F238E27FC236}">
-                <a16:creationId xmlns:a16="http://schemas.microsoft.com/office/drawing/2014/main" xmlns="" id="{6A681326-1C9D-44A3-A627-3871BDAE4127}"/>
+                <a16:creationId xmlns="" xmlns:a16="http://schemas.microsoft.com/office/drawing/2014/main" id="{6A681326-1C9D-44A3-A627-3871BDAE4127}"/>
               </a:ext>
               <a:ext uri="{C183D7F6-B498-43B3-948B-1728B52AA6E4}">
-                <adec:decorative xmlns:adec="http://schemas.microsoft.com/office/drawing/2017/decorative" xmlns="" val="1"/>
+                <adec:decorative xmlns="" xmlns:adec="http://schemas.microsoft.com/office/drawing/2017/decorative" val="1"/>
               </a:ext>
             </a:extLst>
           </p:cNvPr>
@@ -11220,7 +11207,7 @@
           <p:cNvPr id="2" name="Title 1">
             <a:extLst>
               <a:ext uri="{FF2B5EF4-FFF2-40B4-BE49-F238E27FC236}">
-                <a16:creationId xmlns:a16="http://schemas.microsoft.com/office/drawing/2014/main" xmlns="" id="{5343FD55-52BA-49ED-8622-99BA403F87BD}"/>
+                <a16:creationId xmlns="" xmlns:a16="http://schemas.microsoft.com/office/drawing/2014/main" id="{5343FD55-52BA-49ED-8622-99BA403F87BD}"/>
               </a:ext>
             </a:extLst>
           </p:cNvPr>
@@ -11259,7 +11246,7 @@
           <p:cNvPr id="3" name="Content Placeholder 2">
             <a:extLst>
               <a:ext uri="{FF2B5EF4-FFF2-40B4-BE49-F238E27FC236}">
-                <a16:creationId xmlns:a16="http://schemas.microsoft.com/office/drawing/2014/main" xmlns="" id="{03D921A0-DB4F-49E7-B69F-84CE55C2AD6E}"/>
+                <a16:creationId xmlns="" xmlns:a16="http://schemas.microsoft.com/office/drawing/2014/main" id="{03D921A0-DB4F-49E7-B69F-84CE55C2AD6E}"/>
               </a:ext>
             </a:extLst>
           </p:cNvPr>
@@ -11466,10 +11453,10 @@
           <p:cNvPr id="8" name="Rectangle 7">
             <a:extLst>
               <a:ext uri="{FF2B5EF4-FFF2-40B4-BE49-F238E27FC236}">
-                <a16:creationId xmlns:a16="http://schemas.microsoft.com/office/drawing/2014/main" xmlns="" id="{74CD14DB-BB81-479F-A1FC-1C75640E9F84}"/>
+                <a16:creationId xmlns="" xmlns:a16="http://schemas.microsoft.com/office/drawing/2014/main" id="{74CD14DB-BB81-479F-A1FC-1C75640E9F84}"/>
               </a:ext>
               <a:ext uri="{C183D7F6-B498-43B3-948B-1728B52AA6E4}">
-                <adec:decorative xmlns:adec="http://schemas.microsoft.com/office/drawing/2017/decorative" xmlns="" val="1"/>
+                <adec:decorative xmlns="" xmlns:adec="http://schemas.microsoft.com/office/drawing/2017/decorative" val="1"/>
               </a:ext>
             </a:extLst>
           </p:cNvPr>
@@ -11555,10 +11542,10 @@
           <p:cNvPr id="10" name="Rectangle 9">
             <a:extLst>
               <a:ext uri="{FF2B5EF4-FFF2-40B4-BE49-F238E27FC236}">
-                <a16:creationId xmlns:a16="http://schemas.microsoft.com/office/drawing/2014/main" xmlns="" id="{C943A91B-7CA7-4592-A975-73B1BF8C4C74}"/>
+                <a16:creationId xmlns="" xmlns:a16="http://schemas.microsoft.com/office/drawing/2014/main" id="{C943A91B-7CA7-4592-A975-73B1BF8C4C74}"/>
               </a:ext>
               <a:ext uri="{C183D7F6-B498-43B3-948B-1728B52AA6E4}">
-                <adec:decorative xmlns:adec="http://schemas.microsoft.com/office/drawing/2017/decorative" xmlns="" val="1"/>
+                <adec:decorative xmlns="" xmlns:adec="http://schemas.microsoft.com/office/drawing/2017/decorative" val="1"/>
               </a:ext>
             </a:extLst>
           </p:cNvPr>
@@ -11608,10 +11595,10 @@
           <p:cNvPr id="12" name="Freeform 7">
             <a:extLst>
               <a:ext uri="{FF2B5EF4-FFF2-40B4-BE49-F238E27FC236}">
-                <a16:creationId xmlns:a16="http://schemas.microsoft.com/office/drawing/2014/main" xmlns="" id="{EC471314-E46A-414B-8D91-74880E84F187}"/>
+                <a16:creationId xmlns="" xmlns:a16="http://schemas.microsoft.com/office/drawing/2014/main" id="{EC471314-E46A-414B-8D91-74880E84F187}"/>
               </a:ext>
               <a:ext uri="{C183D7F6-B498-43B3-948B-1728B52AA6E4}">
-                <adec:decorative xmlns:adec="http://schemas.microsoft.com/office/drawing/2017/decorative" xmlns="" val="1"/>
+                <adec:decorative xmlns="" xmlns:adec="http://schemas.microsoft.com/office/drawing/2017/decorative" val="1"/>
               </a:ext>
             </a:extLst>
           </p:cNvPr>
@@ -11997,10 +11984,10 @@
           <p:cNvPr id="14" name="Freeform: Shape 13">
             <a:extLst>
               <a:ext uri="{FF2B5EF4-FFF2-40B4-BE49-F238E27FC236}">
-                <a16:creationId xmlns:a16="http://schemas.microsoft.com/office/drawing/2014/main" xmlns="" id="{6A681326-1C9D-44A3-A627-3871BDAE4127}"/>
+                <a16:creationId xmlns="" xmlns:a16="http://schemas.microsoft.com/office/drawing/2014/main" id="{6A681326-1C9D-44A3-A627-3871BDAE4127}"/>
               </a:ext>
               <a:ext uri="{C183D7F6-B498-43B3-948B-1728B52AA6E4}">
-                <adec:decorative xmlns:adec="http://schemas.microsoft.com/office/drawing/2017/decorative" xmlns="" val="1"/>
+                <adec:decorative xmlns="" xmlns:adec="http://schemas.microsoft.com/office/drawing/2017/decorative" val="1"/>
               </a:ext>
             </a:extLst>
           </p:cNvPr>
@@ -12460,7 +12447,7 @@
           <p:cNvPr id="2" name="Title 1">
             <a:extLst>
               <a:ext uri="{FF2B5EF4-FFF2-40B4-BE49-F238E27FC236}">
-                <a16:creationId xmlns:a16="http://schemas.microsoft.com/office/drawing/2014/main" xmlns="" id="{5343FD55-52BA-49ED-8622-99BA403F87BD}"/>
+                <a16:creationId xmlns="" xmlns:a16="http://schemas.microsoft.com/office/drawing/2014/main" id="{5343FD55-52BA-49ED-8622-99BA403F87BD}"/>
               </a:ext>
             </a:extLst>
           </p:cNvPr>
@@ -12499,7 +12486,7 @@
           <p:cNvPr id="3" name="Content Placeholder 2">
             <a:extLst>
               <a:ext uri="{FF2B5EF4-FFF2-40B4-BE49-F238E27FC236}">
-                <a16:creationId xmlns:a16="http://schemas.microsoft.com/office/drawing/2014/main" xmlns="" id="{03D921A0-DB4F-49E7-B69F-84CE55C2AD6E}"/>
+                <a16:creationId xmlns="" xmlns:a16="http://schemas.microsoft.com/office/drawing/2014/main" id="{03D921A0-DB4F-49E7-B69F-84CE55C2AD6E}"/>
               </a:ext>
             </a:extLst>
           </p:cNvPr>
@@ -13269,10 +13256,10 @@
           <p:cNvPr id="8" name="Rectangle 7">
             <a:extLst>
               <a:ext uri="{FF2B5EF4-FFF2-40B4-BE49-F238E27FC236}">
-                <a16:creationId xmlns:a16="http://schemas.microsoft.com/office/drawing/2014/main" xmlns="" id="{74CD14DB-BB81-479F-A1FC-1C75640E9F84}"/>
+                <a16:creationId xmlns="" xmlns:a16="http://schemas.microsoft.com/office/drawing/2014/main" id="{74CD14DB-BB81-479F-A1FC-1C75640E9F84}"/>
               </a:ext>
               <a:ext uri="{C183D7F6-B498-43B3-948B-1728B52AA6E4}">
-                <adec:decorative xmlns:adec="http://schemas.microsoft.com/office/drawing/2017/decorative" xmlns="" val="1"/>
+                <adec:decorative xmlns="" xmlns:adec="http://schemas.microsoft.com/office/drawing/2017/decorative" val="1"/>
               </a:ext>
             </a:extLst>
           </p:cNvPr>
@@ -13358,10 +13345,10 @@
           <p:cNvPr id="10" name="Rectangle 9">
             <a:extLst>
               <a:ext uri="{FF2B5EF4-FFF2-40B4-BE49-F238E27FC236}">
-                <a16:creationId xmlns:a16="http://schemas.microsoft.com/office/drawing/2014/main" xmlns="" id="{C943A91B-7CA7-4592-A975-73B1BF8C4C74}"/>
+                <a16:creationId xmlns="" xmlns:a16="http://schemas.microsoft.com/office/drawing/2014/main" id="{C943A91B-7CA7-4592-A975-73B1BF8C4C74}"/>
               </a:ext>
               <a:ext uri="{C183D7F6-B498-43B3-948B-1728B52AA6E4}">
-                <adec:decorative xmlns:adec="http://schemas.microsoft.com/office/drawing/2017/decorative" xmlns="" val="1"/>
+                <adec:decorative xmlns="" xmlns:adec="http://schemas.microsoft.com/office/drawing/2017/decorative" val="1"/>
               </a:ext>
             </a:extLst>
           </p:cNvPr>
@@ -13411,10 +13398,10 @@
           <p:cNvPr id="12" name="Freeform 7">
             <a:extLst>
               <a:ext uri="{FF2B5EF4-FFF2-40B4-BE49-F238E27FC236}">
-                <a16:creationId xmlns:a16="http://schemas.microsoft.com/office/drawing/2014/main" xmlns="" id="{EC471314-E46A-414B-8D91-74880E84F187}"/>
+                <a16:creationId xmlns="" xmlns:a16="http://schemas.microsoft.com/office/drawing/2014/main" id="{EC471314-E46A-414B-8D91-74880E84F187}"/>
               </a:ext>
               <a:ext uri="{C183D7F6-B498-43B3-948B-1728B52AA6E4}">
-                <adec:decorative xmlns:adec="http://schemas.microsoft.com/office/drawing/2017/decorative" xmlns="" val="1"/>
+                <adec:decorative xmlns="" xmlns:adec="http://schemas.microsoft.com/office/drawing/2017/decorative" val="1"/>
               </a:ext>
             </a:extLst>
           </p:cNvPr>
@@ -13800,10 +13787,10 @@
           <p:cNvPr id="14" name="Freeform: Shape 13">
             <a:extLst>
               <a:ext uri="{FF2B5EF4-FFF2-40B4-BE49-F238E27FC236}">
-                <a16:creationId xmlns:a16="http://schemas.microsoft.com/office/drawing/2014/main" xmlns="" id="{6A681326-1C9D-44A3-A627-3871BDAE4127}"/>
+                <a16:creationId xmlns="" xmlns:a16="http://schemas.microsoft.com/office/drawing/2014/main" id="{6A681326-1C9D-44A3-A627-3871BDAE4127}"/>
               </a:ext>
               <a:ext uri="{C183D7F6-B498-43B3-948B-1728B52AA6E4}">
-                <adec:decorative xmlns:adec="http://schemas.microsoft.com/office/drawing/2017/decorative" xmlns="" val="1"/>
+                <adec:decorative xmlns="" xmlns:adec="http://schemas.microsoft.com/office/drawing/2017/decorative" val="1"/>
               </a:ext>
             </a:extLst>
           </p:cNvPr>
@@ -14263,7 +14250,7 @@
           <p:cNvPr id="2" name="Title 1">
             <a:extLst>
               <a:ext uri="{FF2B5EF4-FFF2-40B4-BE49-F238E27FC236}">
-                <a16:creationId xmlns:a16="http://schemas.microsoft.com/office/drawing/2014/main" xmlns="" id="{5343FD55-52BA-49ED-8622-99BA403F87BD}"/>
+                <a16:creationId xmlns="" xmlns:a16="http://schemas.microsoft.com/office/drawing/2014/main" id="{5343FD55-52BA-49ED-8622-99BA403F87BD}"/>
               </a:ext>
             </a:extLst>
           </p:cNvPr>
@@ -14302,7 +14289,7 @@
           <p:cNvPr id="3" name="Content Placeholder 2">
             <a:extLst>
               <a:ext uri="{FF2B5EF4-FFF2-40B4-BE49-F238E27FC236}">
-                <a16:creationId xmlns:a16="http://schemas.microsoft.com/office/drawing/2014/main" xmlns="" id="{03D921A0-DB4F-49E7-B69F-84CE55C2AD6E}"/>
+                <a16:creationId xmlns="" xmlns:a16="http://schemas.microsoft.com/office/drawing/2014/main" id="{03D921A0-DB4F-49E7-B69F-84CE55C2AD6E}"/>
               </a:ext>
             </a:extLst>
           </p:cNvPr>
@@ -14508,10 +14495,10 @@
           <p:cNvPr id="8" name="Rectangle 7">
             <a:extLst>
               <a:ext uri="{FF2B5EF4-FFF2-40B4-BE49-F238E27FC236}">
-                <a16:creationId xmlns:a16="http://schemas.microsoft.com/office/drawing/2014/main" xmlns="" id="{74CD14DB-BB81-479F-A1FC-1C75640E9F84}"/>
+                <a16:creationId xmlns="" xmlns:a16="http://schemas.microsoft.com/office/drawing/2014/main" id="{74CD14DB-BB81-479F-A1FC-1C75640E9F84}"/>
               </a:ext>
               <a:ext uri="{C183D7F6-B498-43B3-948B-1728B52AA6E4}">
-                <adec:decorative xmlns:adec="http://schemas.microsoft.com/office/drawing/2017/decorative" xmlns="" val="1"/>
+                <adec:decorative xmlns="" xmlns:adec="http://schemas.microsoft.com/office/drawing/2017/decorative" val="1"/>
               </a:ext>
             </a:extLst>
           </p:cNvPr>
@@ -14597,10 +14584,10 @@
           <p:cNvPr id="10" name="Rectangle 9">
             <a:extLst>
               <a:ext uri="{FF2B5EF4-FFF2-40B4-BE49-F238E27FC236}">
-                <a16:creationId xmlns:a16="http://schemas.microsoft.com/office/drawing/2014/main" xmlns="" id="{C943A91B-7CA7-4592-A975-73B1BF8C4C74}"/>
+                <a16:creationId xmlns="" xmlns:a16="http://schemas.microsoft.com/office/drawing/2014/main" id="{C943A91B-7CA7-4592-A975-73B1BF8C4C74}"/>
               </a:ext>
               <a:ext uri="{C183D7F6-B498-43B3-948B-1728B52AA6E4}">
-                <adec:decorative xmlns:adec="http://schemas.microsoft.com/office/drawing/2017/decorative" xmlns="" val="1"/>
+                <adec:decorative xmlns="" xmlns:adec="http://schemas.microsoft.com/office/drawing/2017/decorative" val="1"/>
               </a:ext>
             </a:extLst>
           </p:cNvPr>
@@ -14650,10 +14637,10 @@
           <p:cNvPr id="12" name="Freeform 7">
             <a:extLst>
               <a:ext uri="{FF2B5EF4-FFF2-40B4-BE49-F238E27FC236}">
-                <a16:creationId xmlns:a16="http://schemas.microsoft.com/office/drawing/2014/main" xmlns="" id="{EC471314-E46A-414B-8D91-74880E84F187}"/>
+                <a16:creationId xmlns="" xmlns:a16="http://schemas.microsoft.com/office/drawing/2014/main" id="{EC471314-E46A-414B-8D91-74880E84F187}"/>
               </a:ext>
               <a:ext uri="{C183D7F6-B498-43B3-948B-1728B52AA6E4}">
-                <adec:decorative xmlns:adec="http://schemas.microsoft.com/office/drawing/2017/decorative" xmlns="" val="1"/>
+                <adec:decorative xmlns="" xmlns:adec="http://schemas.microsoft.com/office/drawing/2017/decorative" val="1"/>
               </a:ext>
             </a:extLst>
           </p:cNvPr>
@@ -15039,10 +15026,10 @@
           <p:cNvPr id="14" name="Freeform: Shape 13">
             <a:extLst>
               <a:ext uri="{FF2B5EF4-FFF2-40B4-BE49-F238E27FC236}">
-                <a16:creationId xmlns:a16="http://schemas.microsoft.com/office/drawing/2014/main" xmlns="" id="{6A681326-1C9D-44A3-A627-3871BDAE4127}"/>
+                <a16:creationId xmlns="" xmlns:a16="http://schemas.microsoft.com/office/drawing/2014/main" id="{6A681326-1C9D-44A3-A627-3871BDAE4127}"/>
               </a:ext>
               <a:ext uri="{C183D7F6-B498-43B3-948B-1728B52AA6E4}">
-                <adec:decorative xmlns:adec="http://schemas.microsoft.com/office/drawing/2017/decorative" xmlns="" val="1"/>
+                <adec:decorative xmlns="" xmlns:adec="http://schemas.microsoft.com/office/drawing/2017/decorative" val="1"/>
               </a:ext>
             </a:extLst>
           </p:cNvPr>
@@ -15502,7 +15489,7 @@
           <p:cNvPr id="2" name="Title 1">
             <a:extLst>
               <a:ext uri="{FF2B5EF4-FFF2-40B4-BE49-F238E27FC236}">
-                <a16:creationId xmlns:a16="http://schemas.microsoft.com/office/drawing/2014/main" xmlns="" id="{5343FD55-52BA-49ED-8622-99BA403F87BD}"/>
+                <a16:creationId xmlns="" xmlns:a16="http://schemas.microsoft.com/office/drawing/2014/main" id="{5343FD55-52BA-49ED-8622-99BA403F87BD}"/>
               </a:ext>
             </a:extLst>
           </p:cNvPr>
@@ -15554,7 +15541,7 @@
           <p:cNvPr id="9" name="Text Box 33">
             <a:extLst>
               <a:ext uri="{FF2B5EF4-FFF2-40B4-BE49-F238E27FC236}">
-                <a16:creationId xmlns:a16="http://schemas.microsoft.com/office/drawing/2014/main" xmlns="" id="{4F02BDA5-963E-4EC6-BD0B-4B3F3329EF2F}"/>
+                <a16:creationId xmlns="" xmlns:a16="http://schemas.microsoft.com/office/drawing/2014/main" id="{4F02BDA5-963E-4EC6-BD0B-4B3F3329EF2F}"/>
               </a:ext>
             </a:extLst>
           </p:cNvPr>
@@ -15780,7 +15767,7 @@
           <p:cNvPr id="4" name="Table 3">
             <a:extLst>
               <a:ext uri="{FF2B5EF4-FFF2-40B4-BE49-F238E27FC236}">
-                <a16:creationId xmlns:a16="http://schemas.microsoft.com/office/drawing/2014/main" xmlns="" id="{C3E4AD8B-1E33-458B-9C0A-B3A93CB3775A}"/>
+                <a16:creationId xmlns="" xmlns:a16="http://schemas.microsoft.com/office/drawing/2014/main" id="{C3E4AD8B-1E33-458B-9C0A-B3A93CB3775A}"/>
               </a:ext>
             </a:extLst>
           </p:cNvPr>
@@ -15807,28 +15794,28 @@
                 <a:gridCol w="1143000">
                   <a:extLst>
                     <a:ext uri="{9D8B030D-6E8A-4147-A177-3AD203B41FA5}">
-                      <a16:colId xmlns:a16="http://schemas.microsoft.com/office/drawing/2014/main" xmlns="" val="1238520678"/>
+                      <a16:colId xmlns="" xmlns:a16="http://schemas.microsoft.com/office/drawing/2014/main" val="1238520678"/>
                     </a:ext>
                   </a:extLst>
                 </a:gridCol>
                 <a:gridCol w="1752600">
                   <a:extLst>
                     <a:ext uri="{9D8B030D-6E8A-4147-A177-3AD203B41FA5}">
-                      <a16:colId xmlns:a16="http://schemas.microsoft.com/office/drawing/2014/main" xmlns="" val="4095015411"/>
+                      <a16:colId xmlns="" xmlns:a16="http://schemas.microsoft.com/office/drawing/2014/main" val="4095015411"/>
                     </a:ext>
                   </a:extLst>
                 </a:gridCol>
                 <a:gridCol w="1600200">
                   <a:extLst>
                     <a:ext uri="{9D8B030D-6E8A-4147-A177-3AD203B41FA5}">
-                      <a16:colId xmlns:a16="http://schemas.microsoft.com/office/drawing/2014/main" xmlns="" val="3556301288"/>
+                      <a16:colId xmlns="" xmlns:a16="http://schemas.microsoft.com/office/drawing/2014/main" val="3556301288"/>
                     </a:ext>
                   </a:extLst>
                 </a:gridCol>
                 <a:gridCol w="3429000">
                   <a:extLst>
                     <a:ext uri="{9D8B030D-6E8A-4147-A177-3AD203B41FA5}">
-                      <a16:colId xmlns:a16="http://schemas.microsoft.com/office/drawing/2014/main" xmlns="" val="3605667970"/>
+                      <a16:colId xmlns="" xmlns:a16="http://schemas.microsoft.com/office/drawing/2014/main" val="3605667970"/>
                     </a:ext>
                   </a:extLst>
                 </a:gridCol>
@@ -16024,7 +16011,7 @@
                 </a:tc>
                 <a:extLst>
                   <a:ext uri="{0D108BD9-81ED-4DB2-BD59-A6C34878D82A}">
-                    <a16:rowId xmlns:a16="http://schemas.microsoft.com/office/drawing/2014/main" xmlns="" val="1263816433"/>
+                    <a16:rowId xmlns="" xmlns:a16="http://schemas.microsoft.com/office/drawing/2014/main" val="1263816433"/>
                   </a:ext>
                 </a:extLst>
               </a:tr>
@@ -16367,7 +16354,7 @@
                 </a:tc>
                 <a:extLst>
                   <a:ext uri="{0D108BD9-81ED-4DB2-BD59-A6C34878D82A}">
-                    <a16:rowId xmlns:a16="http://schemas.microsoft.com/office/drawing/2014/main" xmlns="" val="1821582114"/>
+                    <a16:rowId xmlns="" xmlns:a16="http://schemas.microsoft.com/office/drawing/2014/main" val="1821582114"/>
                   </a:ext>
                 </a:extLst>
               </a:tr>
@@ -16710,7 +16697,7 @@
                 </a:tc>
                 <a:extLst>
                   <a:ext uri="{0D108BD9-81ED-4DB2-BD59-A6C34878D82A}">
-                    <a16:rowId xmlns:a16="http://schemas.microsoft.com/office/drawing/2014/main" xmlns="" val="1491639119"/>
+                    <a16:rowId xmlns="" xmlns:a16="http://schemas.microsoft.com/office/drawing/2014/main" val="1491639119"/>
                   </a:ext>
                 </a:extLst>
               </a:tr>
@@ -17053,7 +17040,7 @@
                 </a:tc>
                 <a:extLst>
                   <a:ext uri="{0D108BD9-81ED-4DB2-BD59-A6C34878D82A}">
-                    <a16:rowId xmlns:a16="http://schemas.microsoft.com/office/drawing/2014/main" xmlns="" val="173619500"/>
+                    <a16:rowId xmlns="" xmlns:a16="http://schemas.microsoft.com/office/drawing/2014/main" val="173619500"/>
                   </a:ext>
                 </a:extLst>
               </a:tr>
@@ -17396,7 +17383,7 @@
                 </a:tc>
                 <a:extLst>
                   <a:ext uri="{0D108BD9-81ED-4DB2-BD59-A6C34878D82A}">
-                    <a16:rowId xmlns:a16="http://schemas.microsoft.com/office/drawing/2014/main" xmlns="" val="473716498"/>
+                    <a16:rowId xmlns="" xmlns:a16="http://schemas.microsoft.com/office/drawing/2014/main" val="473716498"/>
                   </a:ext>
                 </a:extLst>
               </a:tr>
@@ -17447,10 +17434,10 @@
           <p:cNvPr id="8" name="Rectangle 7">
             <a:extLst>
               <a:ext uri="{FF2B5EF4-FFF2-40B4-BE49-F238E27FC236}">
-                <a16:creationId xmlns:a16="http://schemas.microsoft.com/office/drawing/2014/main" xmlns="" id="{74CD14DB-BB81-479F-A1FC-1C75640E9F84}"/>
+                <a16:creationId xmlns="" xmlns:a16="http://schemas.microsoft.com/office/drawing/2014/main" id="{74CD14DB-BB81-479F-A1FC-1C75640E9F84}"/>
               </a:ext>
               <a:ext uri="{C183D7F6-B498-43B3-948B-1728B52AA6E4}">
-                <adec:decorative xmlns:adec="http://schemas.microsoft.com/office/drawing/2017/decorative" xmlns="" val="1"/>
+                <adec:decorative xmlns="" xmlns:adec="http://schemas.microsoft.com/office/drawing/2017/decorative" val="1"/>
               </a:ext>
             </a:extLst>
           </p:cNvPr>
@@ -17536,10 +17523,10 @@
           <p:cNvPr id="10" name="Rectangle 9">
             <a:extLst>
               <a:ext uri="{FF2B5EF4-FFF2-40B4-BE49-F238E27FC236}">
-                <a16:creationId xmlns:a16="http://schemas.microsoft.com/office/drawing/2014/main" xmlns="" id="{C943A91B-7CA7-4592-A975-73B1BF8C4C74}"/>
+                <a16:creationId xmlns="" xmlns:a16="http://schemas.microsoft.com/office/drawing/2014/main" id="{C943A91B-7CA7-4592-A975-73B1BF8C4C74}"/>
               </a:ext>
               <a:ext uri="{C183D7F6-B498-43B3-948B-1728B52AA6E4}">
-                <adec:decorative xmlns:adec="http://schemas.microsoft.com/office/drawing/2017/decorative" xmlns="" val="1"/>
+                <adec:decorative xmlns="" xmlns:adec="http://schemas.microsoft.com/office/drawing/2017/decorative" val="1"/>
               </a:ext>
             </a:extLst>
           </p:cNvPr>
@@ -17589,10 +17576,10 @@
           <p:cNvPr id="12" name="Freeform 7">
             <a:extLst>
               <a:ext uri="{FF2B5EF4-FFF2-40B4-BE49-F238E27FC236}">
-                <a16:creationId xmlns:a16="http://schemas.microsoft.com/office/drawing/2014/main" xmlns="" id="{EC471314-E46A-414B-8D91-74880E84F187}"/>
+                <a16:creationId xmlns="" xmlns:a16="http://schemas.microsoft.com/office/drawing/2014/main" id="{EC471314-E46A-414B-8D91-74880E84F187}"/>
               </a:ext>
               <a:ext uri="{C183D7F6-B498-43B3-948B-1728B52AA6E4}">
-                <adec:decorative xmlns:adec="http://schemas.microsoft.com/office/drawing/2017/decorative" xmlns="" val="1"/>
+                <adec:decorative xmlns="" xmlns:adec="http://schemas.microsoft.com/office/drawing/2017/decorative" val="1"/>
               </a:ext>
             </a:extLst>
           </p:cNvPr>
@@ -17978,10 +17965,10 @@
           <p:cNvPr id="14" name="Freeform: Shape 13">
             <a:extLst>
               <a:ext uri="{FF2B5EF4-FFF2-40B4-BE49-F238E27FC236}">
-                <a16:creationId xmlns:a16="http://schemas.microsoft.com/office/drawing/2014/main" xmlns="" id="{6A681326-1C9D-44A3-A627-3871BDAE4127}"/>
+                <a16:creationId xmlns="" xmlns:a16="http://schemas.microsoft.com/office/drawing/2014/main" id="{6A681326-1C9D-44A3-A627-3871BDAE4127}"/>
               </a:ext>
               <a:ext uri="{C183D7F6-B498-43B3-948B-1728B52AA6E4}">
-                <adec:decorative xmlns:adec="http://schemas.microsoft.com/office/drawing/2017/decorative" xmlns="" val="1"/>
+                <adec:decorative xmlns="" xmlns:adec="http://schemas.microsoft.com/office/drawing/2017/decorative" val="1"/>
               </a:ext>
             </a:extLst>
           </p:cNvPr>
@@ -18441,7 +18428,7 @@
           <p:cNvPr id="2" name="Title 1">
             <a:extLst>
               <a:ext uri="{FF2B5EF4-FFF2-40B4-BE49-F238E27FC236}">
-                <a16:creationId xmlns:a16="http://schemas.microsoft.com/office/drawing/2014/main" xmlns="" id="{5343FD55-52BA-49ED-8622-99BA403F87BD}"/>
+                <a16:creationId xmlns="" xmlns:a16="http://schemas.microsoft.com/office/drawing/2014/main" id="{5343FD55-52BA-49ED-8622-99BA403F87BD}"/>
               </a:ext>
             </a:extLst>
           </p:cNvPr>
@@ -18480,7 +18467,7 @@
           <p:cNvPr id="3" name="Content Placeholder 2">
             <a:extLst>
               <a:ext uri="{FF2B5EF4-FFF2-40B4-BE49-F238E27FC236}">
-                <a16:creationId xmlns:a16="http://schemas.microsoft.com/office/drawing/2014/main" xmlns="" id="{03D921A0-DB4F-49E7-B69F-84CE55C2AD6E}"/>
+                <a16:creationId xmlns="" xmlns:a16="http://schemas.microsoft.com/office/drawing/2014/main" id="{03D921A0-DB4F-49E7-B69F-84CE55C2AD6E}"/>
               </a:ext>
             </a:extLst>
           </p:cNvPr>
@@ -18584,10 +18571,10 @@
           <p:cNvPr id="8" name="Rectangle 7">
             <a:extLst>
               <a:ext uri="{FF2B5EF4-FFF2-40B4-BE49-F238E27FC236}">
-                <a16:creationId xmlns:a16="http://schemas.microsoft.com/office/drawing/2014/main" xmlns="" id="{74CD14DB-BB81-479F-A1FC-1C75640E9F84}"/>
+                <a16:creationId xmlns="" xmlns:a16="http://schemas.microsoft.com/office/drawing/2014/main" id="{74CD14DB-BB81-479F-A1FC-1C75640E9F84}"/>
               </a:ext>
               <a:ext uri="{C183D7F6-B498-43B3-948B-1728B52AA6E4}">
-                <adec:decorative xmlns:adec="http://schemas.microsoft.com/office/drawing/2017/decorative" xmlns="" val="1"/>
+                <adec:decorative xmlns="" xmlns:adec="http://schemas.microsoft.com/office/drawing/2017/decorative" val="1"/>
               </a:ext>
             </a:extLst>
           </p:cNvPr>
@@ -18673,10 +18660,10 @@
           <p:cNvPr id="10" name="Rectangle 9">
             <a:extLst>
               <a:ext uri="{FF2B5EF4-FFF2-40B4-BE49-F238E27FC236}">
-                <a16:creationId xmlns:a16="http://schemas.microsoft.com/office/drawing/2014/main" xmlns="" id="{C943A91B-7CA7-4592-A975-73B1BF8C4C74}"/>
+                <a16:creationId xmlns="" xmlns:a16="http://schemas.microsoft.com/office/drawing/2014/main" id="{C943A91B-7CA7-4592-A975-73B1BF8C4C74}"/>
               </a:ext>
               <a:ext uri="{C183D7F6-B498-43B3-948B-1728B52AA6E4}">
-                <adec:decorative xmlns:adec="http://schemas.microsoft.com/office/drawing/2017/decorative" xmlns="" val="1"/>
+                <adec:decorative xmlns="" xmlns:adec="http://schemas.microsoft.com/office/drawing/2017/decorative" val="1"/>
               </a:ext>
             </a:extLst>
           </p:cNvPr>
@@ -18726,10 +18713,10 @@
           <p:cNvPr id="12" name="Freeform 7">
             <a:extLst>
               <a:ext uri="{FF2B5EF4-FFF2-40B4-BE49-F238E27FC236}">
-                <a16:creationId xmlns:a16="http://schemas.microsoft.com/office/drawing/2014/main" xmlns="" id="{EC471314-E46A-414B-8D91-74880E84F187}"/>
+                <a16:creationId xmlns="" xmlns:a16="http://schemas.microsoft.com/office/drawing/2014/main" id="{EC471314-E46A-414B-8D91-74880E84F187}"/>
               </a:ext>
               <a:ext uri="{C183D7F6-B498-43B3-948B-1728B52AA6E4}">
-                <adec:decorative xmlns:adec="http://schemas.microsoft.com/office/drawing/2017/decorative" xmlns="" val="1"/>
+                <adec:decorative xmlns="" xmlns:adec="http://schemas.microsoft.com/office/drawing/2017/decorative" val="1"/>
               </a:ext>
             </a:extLst>
           </p:cNvPr>
@@ -19115,10 +19102,10 @@
           <p:cNvPr id="14" name="Freeform: Shape 13">
             <a:extLst>
               <a:ext uri="{FF2B5EF4-FFF2-40B4-BE49-F238E27FC236}">
-                <a16:creationId xmlns:a16="http://schemas.microsoft.com/office/drawing/2014/main" xmlns="" id="{6A681326-1C9D-44A3-A627-3871BDAE4127}"/>
+                <a16:creationId xmlns="" xmlns:a16="http://schemas.microsoft.com/office/drawing/2014/main" id="{6A681326-1C9D-44A3-A627-3871BDAE4127}"/>
               </a:ext>
               <a:ext uri="{C183D7F6-B498-43B3-948B-1728B52AA6E4}">
-                <adec:decorative xmlns:adec="http://schemas.microsoft.com/office/drawing/2017/decorative" xmlns="" val="1"/>
+                <adec:decorative xmlns="" xmlns:adec="http://schemas.microsoft.com/office/drawing/2017/decorative" val="1"/>
               </a:ext>
             </a:extLst>
           </p:cNvPr>
@@ -19578,7 +19565,7 @@
           <p:cNvPr id="2" name="Title 1">
             <a:extLst>
               <a:ext uri="{FF2B5EF4-FFF2-40B4-BE49-F238E27FC236}">
-                <a16:creationId xmlns:a16="http://schemas.microsoft.com/office/drawing/2014/main" xmlns="" id="{5343FD55-52BA-49ED-8622-99BA403F87BD}"/>
+                <a16:creationId xmlns="" xmlns:a16="http://schemas.microsoft.com/office/drawing/2014/main" id="{5343FD55-52BA-49ED-8622-99BA403F87BD}"/>
               </a:ext>
             </a:extLst>
           </p:cNvPr>
@@ -19617,7 +19604,7 @@
           <p:cNvPr id="3" name="Content Placeholder 2">
             <a:extLst>
               <a:ext uri="{FF2B5EF4-FFF2-40B4-BE49-F238E27FC236}">
-                <a16:creationId xmlns:a16="http://schemas.microsoft.com/office/drawing/2014/main" xmlns="" id="{03D921A0-DB4F-49E7-B69F-84CE55C2AD6E}"/>
+                <a16:creationId xmlns="" xmlns:a16="http://schemas.microsoft.com/office/drawing/2014/main" id="{03D921A0-DB4F-49E7-B69F-84CE55C2AD6E}"/>
               </a:ext>
             </a:extLst>
           </p:cNvPr>
@@ -19873,10 +19860,10 @@
           <p:cNvPr id="8" name="Rectangle 7">
             <a:extLst>
               <a:ext uri="{FF2B5EF4-FFF2-40B4-BE49-F238E27FC236}">
-                <a16:creationId xmlns:a16="http://schemas.microsoft.com/office/drawing/2014/main" xmlns="" id="{74CD14DB-BB81-479F-A1FC-1C75640E9F84}"/>
+                <a16:creationId xmlns="" xmlns:a16="http://schemas.microsoft.com/office/drawing/2014/main" id="{74CD14DB-BB81-479F-A1FC-1C75640E9F84}"/>
               </a:ext>
               <a:ext uri="{C183D7F6-B498-43B3-948B-1728B52AA6E4}">
-                <adec:decorative xmlns:adec="http://schemas.microsoft.com/office/drawing/2017/decorative" xmlns="" val="1"/>
+                <adec:decorative xmlns="" xmlns:adec="http://schemas.microsoft.com/office/drawing/2017/decorative" val="1"/>
               </a:ext>
             </a:extLst>
           </p:cNvPr>
@@ -19962,10 +19949,10 @@
           <p:cNvPr id="10" name="Rectangle 9">
             <a:extLst>
               <a:ext uri="{FF2B5EF4-FFF2-40B4-BE49-F238E27FC236}">
-                <a16:creationId xmlns:a16="http://schemas.microsoft.com/office/drawing/2014/main" xmlns="" id="{C943A91B-7CA7-4592-A975-73B1BF8C4C74}"/>
+                <a16:creationId xmlns="" xmlns:a16="http://schemas.microsoft.com/office/drawing/2014/main" id="{C943A91B-7CA7-4592-A975-73B1BF8C4C74}"/>
               </a:ext>
               <a:ext uri="{C183D7F6-B498-43B3-948B-1728B52AA6E4}">
-                <adec:decorative xmlns:adec="http://schemas.microsoft.com/office/drawing/2017/decorative" xmlns="" val="1"/>
+                <adec:decorative xmlns="" xmlns:adec="http://schemas.microsoft.com/office/drawing/2017/decorative" val="1"/>
               </a:ext>
             </a:extLst>
           </p:cNvPr>
@@ -20015,10 +20002,10 @@
           <p:cNvPr id="12" name="Freeform 7">
             <a:extLst>
               <a:ext uri="{FF2B5EF4-FFF2-40B4-BE49-F238E27FC236}">
-                <a16:creationId xmlns:a16="http://schemas.microsoft.com/office/drawing/2014/main" xmlns="" id="{EC471314-E46A-414B-8D91-74880E84F187}"/>
+                <a16:creationId xmlns="" xmlns:a16="http://schemas.microsoft.com/office/drawing/2014/main" id="{EC471314-E46A-414B-8D91-74880E84F187}"/>
               </a:ext>
               <a:ext uri="{C183D7F6-B498-43B3-948B-1728B52AA6E4}">
-                <adec:decorative xmlns:adec="http://schemas.microsoft.com/office/drawing/2017/decorative" xmlns="" val="1"/>
+                <adec:decorative xmlns="" xmlns:adec="http://schemas.microsoft.com/office/drawing/2017/decorative" val="1"/>
               </a:ext>
             </a:extLst>
           </p:cNvPr>
@@ -20404,10 +20391,10 @@
           <p:cNvPr id="14" name="Freeform: Shape 13">
             <a:extLst>
               <a:ext uri="{FF2B5EF4-FFF2-40B4-BE49-F238E27FC236}">
-                <a16:creationId xmlns:a16="http://schemas.microsoft.com/office/drawing/2014/main" xmlns="" id="{6A681326-1C9D-44A3-A627-3871BDAE4127}"/>
+                <a16:creationId xmlns="" xmlns:a16="http://schemas.microsoft.com/office/drawing/2014/main" id="{6A681326-1C9D-44A3-A627-3871BDAE4127}"/>
               </a:ext>
               <a:ext uri="{C183D7F6-B498-43B3-948B-1728B52AA6E4}">
-                <adec:decorative xmlns:adec="http://schemas.microsoft.com/office/drawing/2017/decorative" xmlns="" val="1"/>
+                <adec:decorative xmlns="" xmlns:adec="http://schemas.microsoft.com/office/drawing/2017/decorative" val="1"/>
               </a:ext>
             </a:extLst>
           </p:cNvPr>
@@ -20867,7 +20854,7 @@
           <p:cNvPr id="2" name="Title 1">
             <a:extLst>
               <a:ext uri="{FF2B5EF4-FFF2-40B4-BE49-F238E27FC236}">
-                <a16:creationId xmlns:a16="http://schemas.microsoft.com/office/drawing/2014/main" xmlns="" id="{5343FD55-52BA-49ED-8622-99BA403F87BD}"/>
+                <a16:creationId xmlns="" xmlns:a16="http://schemas.microsoft.com/office/drawing/2014/main" id="{5343FD55-52BA-49ED-8622-99BA403F87BD}"/>
               </a:ext>
             </a:extLst>
           </p:cNvPr>
@@ -20906,7 +20893,7 @@
           <p:cNvPr id="3" name="Content Placeholder 2">
             <a:extLst>
               <a:ext uri="{FF2B5EF4-FFF2-40B4-BE49-F238E27FC236}">
-                <a16:creationId xmlns:a16="http://schemas.microsoft.com/office/drawing/2014/main" xmlns="" id="{03D921A0-DB4F-49E7-B69F-84CE55C2AD6E}"/>
+                <a16:creationId xmlns="" xmlns:a16="http://schemas.microsoft.com/office/drawing/2014/main" id="{03D921A0-DB4F-49E7-B69F-84CE55C2AD6E}"/>
               </a:ext>
             </a:extLst>
           </p:cNvPr>
@@ -21032,10 +21019,10 @@
           <p:cNvPr id="8" name="Rectangle 7">
             <a:extLst>
               <a:ext uri="{FF2B5EF4-FFF2-40B4-BE49-F238E27FC236}">
-                <a16:creationId xmlns:a16="http://schemas.microsoft.com/office/drawing/2014/main" xmlns="" id="{74CD14DB-BB81-479F-A1FC-1C75640E9F84}"/>
+                <a16:creationId xmlns="" xmlns:a16="http://schemas.microsoft.com/office/drawing/2014/main" id="{74CD14DB-BB81-479F-A1FC-1C75640E9F84}"/>
               </a:ext>
               <a:ext uri="{C183D7F6-B498-43B3-948B-1728B52AA6E4}">
-                <adec:decorative xmlns:adec="http://schemas.microsoft.com/office/drawing/2017/decorative" xmlns="" val="1"/>
+                <adec:decorative xmlns="" xmlns:adec="http://schemas.microsoft.com/office/drawing/2017/decorative" val="1"/>
               </a:ext>
             </a:extLst>
           </p:cNvPr>
@@ -21121,10 +21108,10 @@
           <p:cNvPr id="10" name="Rectangle 9">
             <a:extLst>
               <a:ext uri="{FF2B5EF4-FFF2-40B4-BE49-F238E27FC236}">
-                <a16:creationId xmlns:a16="http://schemas.microsoft.com/office/drawing/2014/main" xmlns="" id="{C943A91B-7CA7-4592-A975-73B1BF8C4C74}"/>
+                <a16:creationId xmlns="" xmlns:a16="http://schemas.microsoft.com/office/drawing/2014/main" id="{C943A91B-7CA7-4592-A975-73B1BF8C4C74}"/>
               </a:ext>
               <a:ext uri="{C183D7F6-B498-43B3-948B-1728B52AA6E4}">
-                <adec:decorative xmlns:adec="http://schemas.microsoft.com/office/drawing/2017/decorative" xmlns="" val="1"/>
+                <adec:decorative xmlns="" xmlns:adec="http://schemas.microsoft.com/office/drawing/2017/decorative" val="1"/>
               </a:ext>
             </a:extLst>
           </p:cNvPr>
@@ -21174,10 +21161,10 @@
           <p:cNvPr id="12" name="Freeform 7">
             <a:extLst>
               <a:ext uri="{FF2B5EF4-FFF2-40B4-BE49-F238E27FC236}">
-                <a16:creationId xmlns:a16="http://schemas.microsoft.com/office/drawing/2014/main" xmlns="" id="{EC471314-E46A-414B-8D91-74880E84F187}"/>
+                <a16:creationId xmlns="" xmlns:a16="http://schemas.microsoft.com/office/drawing/2014/main" id="{EC471314-E46A-414B-8D91-74880E84F187}"/>
               </a:ext>
               <a:ext uri="{C183D7F6-B498-43B3-948B-1728B52AA6E4}">
-                <adec:decorative xmlns:adec="http://schemas.microsoft.com/office/drawing/2017/decorative" xmlns="" val="1"/>
+                <adec:decorative xmlns="" xmlns:adec="http://schemas.microsoft.com/office/drawing/2017/decorative" val="1"/>
               </a:ext>
             </a:extLst>
           </p:cNvPr>
@@ -21563,10 +21550,10 @@
           <p:cNvPr id="14" name="Freeform: Shape 13">
             <a:extLst>
               <a:ext uri="{FF2B5EF4-FFF2-40B4-BE49-F238E27FC236}">
-                <a16:creationId xmlns:a16="http://schemas.microsoft.com/office/drawing/2014/main" xmlns="" id="{6A681326-1C9D-44A3-A627-3871BDAE4127}"/>
+                <a16:creationId xmlns="" xmlns:a16="http://schemas.microsoft.com/office/drawing/2014/main" id="{6A681326-1C9D-44A3-A627-3871BDAE4127}"/>
               </a:ext>
               <a:ext uri="{C183D7F6-B498-43B3-948B-1728B52AA6E4}">
-                <adec:decorative xmlns:adec="http://schemas.microsoft.com/office/drawing/2017/decorative" xmlns="" val="1"/>
+                <adec:decorative xmlns="" xmlns:adec="http://schemas.microsoft.com/office/drawing/2017/decorative" val="1"/>
               </a:ext>
             </a:extLst>
           </p:cNvPr>
@@ -22026,7 +22013,7 @@
           <p:cNvPr id="2" name="Title 1">
             <a:extLst>
               <a:ext uri="{FF2B5EF4-FFF2-40B4-BE49-F238E27FC236}">
-                <a16:creationId xmlns:a16="http://schemas.microsoft.com/office/drawing/2014/main" xmlns="" id="{5343FD55-52BA-49ED-8622-99BA403F87BD}"/>
+                <a16:creationId xmlns="" xmlns:a16="http://schemas.microsoft.com/office/drawing/2014/main" id="{5343FD55-52BA-49ED-8622-99BA403F87BD}"/>
               </a:ext>
             </a:extLst>
           </p:cNvPr>
@@ -22065,7 +22052,7 @@
           <p:cNvPr id="3" name="Content Placeholder 2">
             <a:extLst>
               <a:ext uri="{FF2B5EF4-FFF2-40B4-BE49-F238E27FC236}">
-                <a16:creationId xmlns:a16="http://schemas.microsoft.com/office/drawing/2014/main" xmlns="" id="{03D921A0-DB4F-49E7-B69F-84CE55C2AD6E}"/>
+                <a16:creationId xmlns="" xmlns:a16="http://schemas.microsoft.com/office/drawing/2014/main" id="{03D921A0-DB4F-49E7-B69F-84CE55C2AD6E}"/>
               </a:ext>
             </a:extLst>
           </p:cNvPr>
@@ -22194,10 +22181,10 @@
           <p:cNvPr id="8" name="Rectangle 7">
             <a:extLst>
               <a:ext uri="{FF2B5EF4-FFF2-40B4-BE49-F238E27FC236}">
-                <a16:creationId xmlns:a16="http://schemas.microsoft.com/office/drawing/2014/main" xmlns="" id="{74CD14DB-BB81-479F-A1FC-1C75640E9F84}"/>
+                <a16:creationId xmlns="" xmlns:a16="http://schemas.microsoft.com/office/drawing/2014/main" id="{74CD14DB-BB81-479F-A1FC-1C75640E9F84}"/>
               </a:ext>
               <a:ext uri="{C183D7F6-B498-43B3-948B-1728B52AA6E4}">
-                <adec:decorative xmlns:adec="http://schemas.microsoft.com/office/drawing/2017/decorative" xmlns="" val="1"/>
+                <adec:decorative xmlns="" xmlns:adec="http://schemas.microsoft.com/office/drawing/2017/decorative" val="1"/>
               </a:ext>
             </a:extLst>
           </p:cNvPr>
@@ -22283,10 +22270,10 @@
           <p:cNvPr id="10" name="Rectangle 9">
             <a:extLst>
               <a:ext uri="{FF2B5EF4-FFF2-40B4-BE49-F238E27FC236}">
-                <a16:creationId xmlns:a16="http://schemas.microsoft.com/office/drawing/2014/main" xmlns="" id="{C943A91B-7CA7-4592-A975-73B1BF8C4C74}"/>
+                <a16:creationId xmlns="" xmlns:a16="http://schemas.microsoft.com/office/drawing/2014/main" id="{C943A91B-7CA7-4592-A975-73B1BF8C4C74}"/>
               </a:ext>
               <a:ext uri="{C183D7F6-B498-43B3-948B-1728B52AA6E4}">
-                <adec:decorative xmlns:adec="http://schemas.microsoft.com/office/drawing/2017/decorative" xmlns="" val="1"/>
+                <adec:decorative xmlns="" xmlns:adec="http://schemas.microsoft.com/office/drawing/2017/decorative" val="1"/>
               </a:ext>
             </a:extLst>
           </p:cNvPr>
@@ -22336,10 +22323,10 @@
           <p:cNvPr id="12" name="Freeform 7">
             <a:extLst>
               <a:ext uri="{FF2B5EF4-FFF2-40B4-BE49-F238E27FC236}">
-                <a16:creationId xmlns:a16="http://schemas.microsoft.com/office/drawing/2014/main" xmlns="" id="{EC471314-E46A-414B-8D91-74880E84F187}"/>
+                <a16:creationId xmlns="" xmlns:a16="http://schemas.microsoft.com/office/drawing/2014/main" id="{EC471314-E46A-414B-8D91-74880E84F187}"/>
               </a:ext>
               <a:ext uri="{C183D7F6-B498-43B3-948B-1728B52AA6E4}">
-                <adec:decorative xmlns:adec="http://schemas.microsoft.com/office/drawing/2017/decorative" xmlns="" val="1"/>
+                <adec:decorative xmlns="" xmlns:adec="http://schemas.microsoft.com/office/drawing/2017/decorative" val="1"/>
               </a:ext>
             </a:extLst>
           </p:cNvPr>
@@ -22725,10 +22712,10 @@
           <p:cNvPr id="14" name="Freeform: Shape 13">
             <a:extLst>
               <a:ext uri="{FF2B5EF4-FFF2-40B4-BE49-F238E27FC236}">
-                <a16:creationId xmlns:a16="http://schemas.microsoft.com/office/drawing/2014/main" xmlns="" id="{6A681326-1C9D-44A3-A627-3871BDAE4127}"/>
+                <a16:creationId xmlns="" xmlns:a16="http://schemas.microsoft.com/office/drawing/2014/main" id="{6A681326-1C9D-44A3-A627-3871BDAE4127}"/>
               </a:ext>
               <a:ext uri="{C183D7F6-B498-43B3-948B-1728B52AA6E4}">
-                <adec:decorative xmlns:adec="http://schemas.microsoft.com/office/drawing/2017/decorative" xmlns="" val="1"/>
+                <adec:decorative xmlns="" xmlns:adec="http://schemas.microsoft.com/office/drawing/2017/decorative" val="1"/>
               </a:ext>
             </a:extLst>
           </p:cNvPr>
@@ -23188,7 +23175,7 @@
           <p:cNvPr id="2" name="Title 1">
             <a:extLst>
               <a:ext uri="{FF2B5EF4-FFF2-40B4-BE49-F238E27FC236}">
-                <a16:creationId xmlns:a16="http://schemas.microsoft.com/office/drawing/2014/main" xmlns="" id="{5343FD55-52BA-49ED-8622-99BA403F87BD}"/>
+                <a16:creationId xmlns="" xmlns:a16="http://schemas.microsoft.com/office/drawing/2014/main" id="{5343FD55-52BA-49ED-8622-99BA403F87BD}"/>
               </a:ext>
             </a:extLst>
           </p:cNvPr>
@@ -23227,7 +23214,7 @@
           <p:cNvPr id="3" name="Content Placeholder 2">
             <a:extLst>
               <a:ext uri="{FF2B5EF4-FFF2-40B4-BE49-F238E27FC236}">
-                <a16:creationId xmlns:a16="http://schemas.microsoft.com/office/drawing/2014/main" xmlns="" id="{03D921A0-DB4F-49E7-B69F-84CE55C2AD6E}"/>
+                <a16:creationId xmlns="" xmlns:a16="http://schemas.microsoft.com/office/drawing/2014/main" id="{03D921A0-DB4F-49E7-B69F-84CE55C2AD6E}"/>
               </a:ext>
             </a:extLst>
           </p:cNvPr>
@@ -23511,10 +23498,10 @@
           <p:cNvPr id="8" name="Rectangle 7">
             <a:extLst>
               <a:ext uri="{FF2B5EF4-FFF2-40B4-BE49-F238E27FC236}">
-                <a16:creationId xmlns:a16="http://schemas.microsoft.com/office/drawing/2014/main" xmlns="" id="{74CD14DB-BB81-479F-A1FC-1C75640E9F84}"/>
+                <a16:creationId xmlns="" xmlns:a16="http://schemas.microsoft.com/office/drawing/2014/main" id="{74CD14DB-BB81-479F-A1FC-1C75640E9F84}"/>
               </a:ext>
               <a:ext uri="{C183D7F6-B498-43B3-948B-1728B52AA6E4}">
-                <adec:decorative xmlns:adec="http://schemas.microsoft.com/office/drawing/2017/decorative" xmlns="" val="1"/>
+                <adec:decorative xmlns="" xmlns:adec="http://schemas.microsoft.com/office/drawing/2017/decorative" val="1"/>
               </a:ext>
             </a:extLst>
           </p:cNvPr>
@@ -23600,10 +23587,10 @@
           <p:cNvPr id="10" name="Rectangle 9">
             <a:extLst>
               <a:ext uri="{FF2B5EF4-FFF2-40B4-BE49-F238E27FC236}">
-                <a16:creationId xmlns:a16="http://schemas.microsoft.com/office/drawing/2014/main" xmlns="" id="{C943A91B-7CA7-4592-A975-73B1BF8C4C74}"/>
+                <a16:creationId xmlns="" xmlns:a16="http://schemas.microsoft.com/office/drawing/2014/main" id="{C943A91B-7CA7-4592-A975-73B1BF8C4C74}"/>
               </a:ext>
               <a:ext uri="{C183D7F6-B498-43B3-948B-1728B52AA6E4}">
-                <adec:decorative xmlns:adec="http://schemas.microsoft.com/office/drawing/2017/decorative" xmlns="" val="1"/>
+                <adec:decorative xmlns="" xmlns:adec="http://schemas.microsoft.com/office/drawing/2017/decorative" val="1"/>
               </a:ext>
             </a:extLst>
           </p:cNvPr>
@@ -23653,10 +23640,10 @@
           <p:cNvPr id="12" name="Freeform 7">
             <a:extLst>
               <a:ext uri="{FF2B5EF4-FFF2-40B4-BE49-F238E27FC236}">
-                <a16:creationId xmlns:a16="http://schemas.microsoft.com/office/drawing/2014/main" xmlns="" id="{EC471314-E46A-414B-8D91-74880E84F187}"/>
+                <a16:creationId xmlns="" xmlns:a16="http://schemas.microsoft.com/office/drawing/2014/main" id="{EC471314-E46A-414B-8D91-74880E84F187}"/>
               </a:ext>
               <a:ext uri="{C183D7F6-B498-43B3-948B-1728B52AA6E4}">
-                <adec:decorative xmlns:adec="http://schemas.microsoft.com/office/drawing/2017/decorative" xmlns="" val="1"/>
+                <adec:decorative xmlns="" xmlns:adec="http://schemas.microsoft.com/office/drawing/2017/decorative" val="1"/>
               </a:ext>
             </a:extLst>
           </p:cNvPr>
@@ -24042,10 +24029,10 @@
           <p:cNvPr id="14" name="Freeform: Shape 13">
             <a:extLst>
               <a:ext uri="{FF2B5EF4-FFF2-40B4-BE49-F238E27FC236}">
-                <a16:creationId xmlns:a16="http://schemas.microsoft.com/office/drawing/2014/main" xmlns="" id="{6A681326-1C9D-44A3-A627-3871BDAE4127}"/>
+                <a16:creationId xmlns="" xmlns:a16="http://schemas.microsoft.com/office/drawing/2014/main" id="{6A681326-1C9D-44A3-A627-3871BDAE4127}"/>
               </a:ext>
               <a:ext uri="{C183D7F6-B498-43B3-948B-1728B52AA6E4}">
-                <adec:decorative xmlns:adec="http://schemas.microsoft.com/office/drawing/2017/decorative" xmlns="" val="1"/>
+                <adec:decorative xmlns="" xmlns:adec="http://schemas.microsoft.com/office/drawing/2017/decorative" val="1"/>
               </a:ext>
             </a:extLst>
           </p:cNvPr>
@@ -24505,7 +24492,7 @@
           <p:cNvPr id="2" name="Title 1">
             <a:extLst>
               <a:ext uri="{FF2B5EF4-FFF2-40B4-BE49-F238E27FC236}">
-                <a16:creationId xmlns:a16="http://schemas.microsoft.com/office/drawing/2014/main" xmlns="" id="{5343FD55-52BA-49ED-8622-99BA403F87BD}"/>
+                <a16:creationId xmlns="" xmlns:a16="http://schemas.microsoft.com/office/drawing/2014/main" id="{5343FD55-52BA-49ED-8622-99BA403F87BD}"/>
               </a:ext>
             </a:extLst>
           </p:cNvPr>
@@ -24544,7 +24531,7 @@
           <p:cNvPr id="3" name="Content Placeholder 2">
             <a:extLst>
               <a:ext uri="{FF2B5EF4-FFF2-40B4-BE49-F238E27FC236}">
-                <a16:creationId xmlns:a16="http://schemas.microsoft.com/office/drawing/2014/main" xmlns="" id="{03D921A0-DB4F-49E7-B69F-84CE55C2AD6E}"/>
+                <a16:creationId xmlns="" xmlns:a16="http://schemas.microsoft.com/office/drawing/2014/main" id="{03D921A0-DB4F-49E7-B69F-84CE55C2AD6E}"/>
               </a:ext>
             </a:extLst>
           </p:cNvPr>
@@ -24728,7 +24715,7 @@
         </p:nvSpPr>
         <p:spPr>
           <a:xfrm>
-            <a:off x="754745" y="0"/>
+            <a:off x="754743" y="0"/>
             <a:ext cx="10682515" cy="6858000"/>
           </a:xfrm>
         </p:spPr>
@@ -24775,7 +24762,23 @@
                 <a:ea typeface="Times New Roman" charset="0"/>
                 <a:cs typeface="Times New Roman" charset="0"/>
               </a:rPr>
-              <a:t>CC BY-NC 4.0. To view a copy of this license, visit </a:t>
+              <a:t>CC </a:t>
+            </a:r>
+            <a:r>
+              <a:rPr lang="en-US" sz="2800" dirty="0">
+                <a:latin typeface="Times New Roman" charset="0"/>
+                <a:ea typeface="Times New Roman" charset="0"/>
+                <a:cs typeface="Times New Roman" charset="0"/>
+              </a:rPr>
+              <a:t>BY-SA </a:t>
+            </a:r>
+            <a:r>
+              <a:rPr lang="en-US" sz="2800" dirty="0">
+                <a:latin typeface="Times New Roman" charset="0"/>
+                <a:ea typeface="Times New Roman" charset="0"/>
+                <a:cs typeface="Times New Roman" charset="0"/>
+              </a:rPr>
+              <a:t>4.0. To view a copy of this license, visit </a:t>
             </a:r>
             <a:r>
               <a:rPr lang="en-US" sz="2800" dirty="0">
@@ -24784,7 +24787,16 @@
                 <a:cs typeface="Times New Roman" charset="0"/>
                 <a:hlinkClick r:id="rId2"/>
               </a:rPr>
-              <a:t>https://creativecommons.org/licenses/by-nc/4.0</a:t>
+              <a:t>https://</a:t>
+            </a:r>
+            <a:r>
+              <a:rPr lang="en-US" sz="2800" dirty="0">
+                <a:latin typeface="Times New Roman" charset="0"/>
+                <a:ea typeface="Times New Roman" charset="0"/>
+                <a:cs typeface="Times New Roman" charset="0"/>
+                <a:hlinkClick r:id="rId2"/>
+              </a:rPr>
+              <a:t>creativecommons.org/licenses/by-sa/4.0</a:t>
             </a:r>
             <a:r>
               <a:rPr lang="en-US" sz="2800" dirty="0">
@@ -24938,20 +24950,13 @@
     </p:spTree>
     <p:extLst>
       <p:ext uri="{BB962C8B-B14F-4D97-AF65-F5344CB8AC3E}">
-        <p14:creationId xmlns:p14="http://schemas.microsoft.com/office/powerpoint/2010/main" val="1981130175"/>
+        <p14:creationId xmlns:p14="http://schemas.microsoft.com/office/powerpoint/2010/main" val="1082428999"/>
       </p:ext>
     </p:extLst>
   </p:cSld>
   <p:clrMapOvr>
     <a:masterClrMapping/>
   </p:clrMapOvr>
-  <p:timing>
-    <p:tnLst>
-      <p:par>
-        <p:cTn id="1" dur="indefinite" restart="never" nodeType="tmRoot"/>
-      </p:par>
-    </p:tnLst>
-  </p:timing>
 </p:sld>
 </file>
 
@@ -24985,10 +24990,10 @@
           <p:cNvPr id="8" name="Rectangle 7">
             <a:extLst>
               <a:ext uri="{FF2B5EF4-FFF2-40B4-BE49-F238E27FC236}">
-                <a16:creationId xmlns:a16="http://schemas.microsoft.com/office/drawing/2014/main" xmlns="" id="{74CD14DB-BB81-479F-A1FC-1C75640E9F84}"/>
+                <a16:creationId xmlns="" xmlns:a16="http://schemas.microsoft.com/office/drawing/2014/main" id="{74CD14DB-BB81-479F-A1FC-1C75640E9F84}"/>
               </a:ext>
               <a:ext uri="{C183D7F6-B498-43B3-948B-1728B52AA6E4}">
-                <adec:decorative xmlns:adec="http://schemas.microsoft.com/office/drawing/2017/decorative" xmlns="" val="1"/>
+                <adec:decorative xmlns="" xmlns:adec="http://schemas.microsoft.com/office/drawing/2017/decorative" val="1"/>
               </a:ext>
             </a:extLst>
           </p:cNvPr>
@@ -25074,10 +25079,10 @@
           <p:cNvPr id="10" name="Rectangle 9">
             <a:extLst>
               <a:ext uri="{FF2B5EF4-FFF2-40B4-BE49-F238E27FC236}">
-                <a16:creationId xmlns:a16="http://schemas.microsoft.com/office/drawing/2014/main" xmlns="" id="{C943A91B-7CA7-4592-A975-73B1BF8C4C74}"/>
+                <a16:creationId xmlns="" xmlns:a16="http://schemas.microsoft.com/office/drawing/2014/main" id="{C943A91B-7CA7-4592-A975-73B1BF8C4C74}"/>
               </a:ext>
               <a:ext uri="{C183D7F6-B498-43B3-948B-1728B52AA6E4}">
-                <adec:decorative xmlns:adec="http://schemas.microsoft.com/office/drawing/2017/decorative" xmlns="" val="1"/>
+                <adec:decorative xmlns="" xmlns:adec="http://schemas.microsoft.com/office/drawing/2017/decorative" val="1"/>
               </a:ext>
             </a:extLst>
           </p:cNvPr>
@@ -25127,10 +25132,10 @@
           <p:cNvPr id="12" name="Freeform 7">
             <a:extLst>
               <a:ext uri="{FF2B5EF4-FFF2-40B4-BE49-F238E27FC236}">
-                <a16:creationId xmlns:a16="http://schemas.microsoft.com/office/drawing/2014/main" xmlns="" id="{EC471314-E46A-414B-8D91-74880E84F187}"/>
+                <a16:creationId xmlns="" xmlns:a16="http://schemas.microsoft.com/office/drawing/2014/main" id="{EC471314-E46A-414B-8D91-74880E84F187}"/>
               </a:ext>
               <a:ext uri="{C183D7F6-B498-43B3-948B-1728B52AA6E4}">
-                <adec:decorative xmlns:adec="http://schemas.microsoft.com/office/drawing/2017/decorative" xmlns="" val="1"/>
+                <adec:decorative xmlns="" xmlns:adec="http://schemas.microsoft.com/office/drawing/2017/decorative" val="1"/>
               </a:ext>
             </a:extLst>
           </p:cNvPr>
@@ -25516,10 +25521,10 @@
           <p:cNvPr id="14" name="Freeform: Shape 13">
             <a:extLst>
               <a:ext uri="{FF2B5EF4-FFF2-40B4-BE49-F238E27FC236}">
-                <a16:creationId xmlns:a16="http://schemas.microsoft.com/office/drawing/2014/main" xmlns="" id="{6A681326-1C9D-44A3-A627-3871BDAE4127}"/>
+                <a16:creationId xmlns="" xmlns:a16="http://schemas.microsoft.com/office/drawing/2014/main" id="{6A681326-1C9D-44A3-A627-3871BDAE4127}"/>
               </a:ext>
               <a:ext uri="{C183D7F6-B498-43B3-948B-1728B52AA6E4}">
-                <adec:decorative xmlns:adec="http://schemas.microsoft.com/office/drawing/2017/decorative" xmlns="" val="1"/>
+                <adec:decorative xmlns="" xmlns:adec="http://schemas.microsoft.com/office/drawing/2017/decorative" val="1"/>
               </a:ext>
             </a:extLst>
           </p:cNvPr>
@@ -25979,7 +25984,7 @@
           <p:cNvPr id="2" name="Title 1">
             <a:extLst>
               <a:ext uri="{FF2B5EF4-FFF2-40B4-BE49-F238E27FC236}">
-                <a16:creationId xmlns:a16="http://schemas.microsoft.com/office/drawing/2014/main" xmlns="" id="{5343FD55-52BA-49ED-8622-99BA403F87BD}"/>
+                <a16:creationId xmlns="" xmlns:a16="http://schemas.microsoft.com/office/drawing/2014/main" id="{5343FD55-52BA-49ED-8622-99BA403F87BD}"/>
               </a:ext>
             </a:extLst>
           </p:cNvPr>
@@ -26023,7 +26028,7 @@
           <p:cNvPr id="3" name="Content Placeholder 2">
             <a:extLst>
               <a:ext uri="{FF2B5EF4-FFF2-40B4-BE49-F238E27FC236}">
-                <a16:creationId xmlns:a16="http://schemas.microsoft.com/office/drawing/2014/main" xmlns="" id="{03D921A0-DB4F-49E7-B69F-84CE55C2AD6E}"/>
+                <a16:creationId xmlns="" xmlns:a16="http://schemas.microsoft.com/office/drawing/2014/main" id="{03D921A0-DB4F-49E7-B69F-84CE55C2AD6E}"/>
               </a:ext>
             </a:extLst>
           </p:cNvPr>
@@ -26067,7 +26072,7 @@
                 <a:hlinkClick r:id="rId2">
                   <a:extLst>
                     <a:ext uri="{A12FA001-AC4F-418D-AE19-62706E023703}">
-                      <ahyp:hlinkClr xmlns:ahyp="http://schemas.microsoft.com/office/drawing/2018/hyperlinkcolor" xmlns="" val="tx"/>
+                      <ahyp:hlinkClr xmlns="" xmlns:ahyp="http://schemas.microsoft.com/office/drawing/2018/hyperlinkcolor" val="tx"/>
                     </a:ext>
                   </a:extLst>
                 </a:hlinkClick>
@@ -26148,10 +26153,10 @@
           <p:cNvPr id="8" name="Rectangle 7">
             <a:extLst>
               <a:ext uri="{FF2B5EF4-FFF2-40B4-BE49-F238E27FC236}">
-                <a16:creationId xmlns:a16="http://schemas.microsoft.com/office/drawing/2014/main" xmlns="" id="{74CD14DB-BB81-479F-A1FC-1C75640E9F84}"/>
+                <a16:creationId xmlns="" xmlns:a16="http://schemas.microsoft.com/office/drawing/2014/main" id="{74CD14DB-BB81-479F-A1FC-1C75640E9F84}"/>
               </a:ext>
               <a:ext uri="{C183D7F6-B498-43B3-948B-1728B52AA6E4}">
-                <adec:decorative xmlns:adec="http://schemas.microsoft.com/office/drawing/2017/decorative" xmlns="" val="1"/>
+                <adec:decorative xmlns="" xmlns:adec="http://schemas.microsoft.com/office/drawing/2017/decorative" val="1"/>
               </a:ext>
             </a:extLst>
           </p:cNvPr>
@@ -26237,10 +26242,10 @@
           <p:cNvPr id="10" name="Rectangle 9">
             <a:extLst>
               <a:ext uri="{FF2B5EF4-FFF2-40B4-BE49-F238E27FC236}">
-                <a16:creationId xmlns:a16="http://schemas.microsoft.com/office/drawing/2014/main" xmlns="" id="{C943A91B-7CA7-4592-A975-73B1BF8C4C74}"/>
+                <a16:creationId xmlns="" xmlns:a16="http://schemas.microsoft.com/office/drawing/2014/main" id="{C943A91B-7CA7-4592-A975-73B1BF8C4C74}"/>
               </a:ext>
               <a:ext uri="{C183D7F6-B498-43B3-948B-1728B52AA6E4}">
-                <adec:decorative xmlns:adec="http://schemas.microsoft.com/office/drawing/2017/decorative" xmlns="" val="1"/>
+                <adec:decorative xmlns="" xmlns:adec="http://schemas.microsoft.com/office/drawing/2017/decorative" val="1"/>
               </a:ext>
             </a:extLst>
           </p:cNvPr>
@@ -26290,10 +26295,10 @@
           <p:cNvPr id="12" name="Freeform 7">
             <a:extLst>
               <a:ext uri="{FF2B5EF4-FFF2-40B4-BE49-F238E27FC236}">
-                <a16:creationId xmlns:a16="http://schemas.microsoft.com/office/drawing/2014/main" xmlns="" id="{EC471314-E46A-414B-8D91-74880E84F187}"/>
+                <a16:creationId xmlns="" xmlns:a16="http://schemas.microsoft.com/office/drawing/2014/main" id="{EC471314-E46A-414B-8D91-74880E84F187}"/>
               </a:ext>
               <a:ext uri="{C183D7F6-B498-43B3-948B-1728B52AA6E4}">
-                <adec:decorative xmlns:adec="http://schemas.microsoft.com/office/drawing/2017/decorative" xmlns="" val="1"/>
+                <adec:decorative xmlns="" xmlns:adec="http://schemas.microsoft.com/office/drawing/2017/decorative" val="1"/>
               </a:ext>
             </a:extLst>
           </p:cNvPr>
@@ -26679,10 +26684,10 @@
           <p:cNvPr id="14" name="Freeform: Shape 13">
             <a:extLst>
               <a:ext uri="{FF2B5EF4-FFF2-40B4-BE49-F238E27FC236}">
-                <a16:creationId xmlns:a16="http://schemas.microsoft.com/office/drawing/2014/main" xmlns="" id="{6A681326-1C9D-44A3-A627-3871BDAE4127}"/>
+                <a16:creationId xmlns="" xmlns:a16="http://schemas.microsoft.com/office/drawing/2014/main" id="{6A681326-1C9D-44A3-A627-3871BDAE4127}"/>
               </a:ext>
               <a:ext uri="{C183D7F6-B498-43B3-948B-1728B52AA6E4}">
-                <adec:decorative xmlns:adec="http://schemas.microsoft.com/office/drawing/2017/decorative" xmlns="" val="1"/>
+                <adec:decorative xmlns="" xmlns:adec="http://schemas.microsoft.com/office/drawing/2017/decorative" val="1"/>
               </a:ext>
             </a:extLst>
           </p:cNvPr>
@@ -27142,7 +27147,7 @@
           <p:cNvPr id="2" name="Title 1">
             <a:extLst>
               <a:ext uri="{FF2B5EF4-FFF2-40B4-BE49-F238E27FC236}">
-                <a16:creationId xmlns:a16="http://schemas.microsoft.com/office/drawing/2014/main" xmlns="" id="{2711179C-96B1-4D42-B0BC-8CDF62250646}"/>
+                <a16:creationId xmlns="" xmlns:a16="http://schemas.microsoft.com/office/drawing/2014/main" id="{2711179C-96B1-4D42-B0BC-8CDF62250646}"/>
               </a:ext>
             </a:extLst>
           </p:cNvPr>
@@ -27239,10 +27244,10 @@
           <p:cNvPr id="8" name="Rectangle 7">
             <a:extLst>
               <a:ext uri="{FF2B5EF4-FFF2-40B4-BE49-F238E27FC236}">
-                <a16:creationId xmlns:a16="http://schemas.microsoft.com/office/drawing/2014/main" xmlns="" id="{DE27238C-8EAF-4098-86E6-7723B7DAE601}"/>
+                <a16:creationId xmlns="" xmlns:a16="http://schemas.microsoft.com/office/drawing/2014/main" id="{DE27238C-8EAF-4098-86E6-7723B7DAE601}"/>
               </a:ext>
               <a:ext uri="{C183D7F6-B498-43B3-948B-1728B52AA6E4}">
-                <adec:decorative xmlns:adec="http://schemas.microsoft.com/office/drawing/2017/decorative" xmlns="" val="1"/>
+                <adec:decorative xmlns="" xmlns:adec="http://schemas.microsoft.com/office/drawing/2017/decorative" val="1"/>
               </a:ext>
             </a:extLst>
           </p:cNvPr>
@@ -27302,10 +27307,10 @@
           <p:cNvPr id="10" name="Freeform 36">
             <a:extLst>
               <a:ext uri="{FF2B5EF4-FFF2-40B4-BE49-F238E27FC236}">
-                <a16:creationId xmlns:a16="http://schemas.microsoft.com/office/drawing/2014/main" xmlns="" id="{992F97B1-1891-4FCC-9E5F-BA97EDB48F89}"/>
+                <a16:creationId xmlns="" xmlns:a16="http://schemas.microsoft.com/office/drawing/2014/main" id="{992F97B1-1891-4FCC-9E5F-BA97EDB48F89}"/>
               </a:ext>
               <a:ext uri="{C183D7F6-B498-43B3-948B-1728B52AA6E4}">
-                <adec:decorative xmlns:adec="http://schemas.microsoft.com/office/drawing/2017/decorative" xmlns="" val="1"/>
+                <adec:decorative xmlns="" xmlns:adec="http://schemas.microsoft.com/office/drawing/2017/decorative" val="1"/>
               </a:ext>
             </a:extLst>
           </p:cNvPr>
@@ -27656,10 +27661,10 @@
           <p:cNvPr id="12" name="Freeform: Shape 11">
             <a:extLst>
               <a:ext uri="{FF2B5EF4-FFF2-40B4-BE49-F238E27FC236}">
-                <a16:creationId xmlns:a16="http://schemas.microsoft.com/office/drawing/2014/main" xmlns="" id="{78C6C821-FEE1-4EB6-9590-C021440C77DE}"/>
+                <a16:creationId xmlns="" xmlns:a16="http://schemas.microsoft.com/office/drawing/2014/main" id="{78C6C821-FEE1-4EB6-9590-C021440C77DE}"/>
               </a:ext>
               <a:ext uri="{C183D7F6-B498-43B3-948B-1728B52AA6E4}">
-                <adec:decorative xmlns:adec="http://schemas.microsoft.com/office/drawing/2017/decorative" xmlns="" val="1"/>
+                <adec:decorative xmlns="" xmlns:adec="http://schemas.microsoft.com/office/drawing/2017/decorative" val="1"/>
               </a:ext>
             </a:extLst>
           </p:cNvPr>
@@ -28200,7 +28205,7 @@
           <p:cNvPr id="2" name="Title 1">
             <a:extLst>
               <a:ext uri="{FF2B5EF4-FFF2-40B4-BE49-F238E27FC236}">
-                <a16:creationId xmlns:a16="http://schemas.microsoft.com/office/drawing/2014/main" xmlns="" id="{B4A50DC5-78F7-43A1-BB91-7DBF8F6AEF90}"/>
+                <a16:creationId xmlns="" xmlns:a16="http://schemas.microsoft.com/office/drawing/2014/main" id="{B4A50DC5-78F7-43A1-BB91-7DBF8F6AEF90}"/>
               </a:ext>
             </a:extLst>
           </p:cNvPr>
@@ -28240,10 +28245,10 @@
           <p:cNvPr id="14" name="Rectangle 13">
             <a:extLst>
               <a:ext uri="{FF2B5EF4-FFF2-40B4-BE49-F238E27FC236}">
-                <a16:creationId xmlns:a16="http://schemas.microsoft.com/office/drawing/2014/main" xmlns="" id="{B61A74B3-E247-44D4-8C48-FAE8E2056401}"/>
+                <a16:creationId xmlns="" xmlns:a16="http://schemas.microsoft.com/office/drawing/2014/main" id="{B61A74B3-E247-44D4-8C48-FAE8E2056401}"/>
               </a:ext>
               <a:ext uri="{C183D7F6-B498-43B3-948B-1728B52AA6E4}">
-                <adec:decorative xmlns:adec="http://schemas.microsoft.com/office/drawing/2017/decorative" xmlns="" val="1"/>
+                <adec:decorative xmlns="" xmlns:adec="http://schemas.microsoft.com/office/drawing/2017/decorative" val="1"/>
               </a:ext>
             </a:extLst>
           </p:cNvPr>
@@ -28331,10 +28336,10 @@
           <p:cNvPr id="8" name="Rectangle 7">
             <a:extLst>
               <a:ext uri="{FF2B5EF4-FFF2-40B4-BE49-F238E27FC236}">
-                <a16:creationId xmlns:a16="http://schemas.microsoft.com/office/drawing/2014/main" xmlns="" id="{74CD14DB-BB81-479F-A1FC-1C75640E9F84}"/>
+                <a16:creationId xmlns="" xmlns:a16="http://schemas.microsoft.com/office/drawing/2014/main" id="{74CD14DB-BB81-479F-A1FC-1C75640E9F84}"/>
               </a:ext>
               <a:ext uri="{C183D7F6-B498-43B3-948B-1728B52AA6E4}">
-                <adec:decorative xmlns:adec="http://schemas.microsoft.com/office/drawing/2017/decorative" xmlns="" val="1"/>
+                <adec:decorative xmlns="" xmlns:adec="http://schemas.microsoft.com/office/drawing/2017/decorative" val="1"/>
               </a:ext>
             </a:extLst>
           </p:cNvPr>
@@ -28420,10 +28425,10 @@
           <p:cNvPr id="10" name="Rectangle 9">
             <a:extLst>
               <a:ext uri="{FF2B5EF4-FFF2-40B4-BE49-F238E27FC236}">
-                <a16:creationId xmlns:a16="http://schemas.microsoft.com/office/drawing/2014/main" xmlns="" id="{C943A91B-7CA7-4592-A975-73B1BF8C4C74}"/>
+                <a16:creationId xmlns="" xmlns:a16="http://schemas.microsoft.com/office/drawing/2014/main" id="{C943A91B-7CA7-4592-A975-73B1BF8C4C74}"/>
               </a:ext>
               <a:ext uri="{C183D7F6-B498-43B3-948B-1728B52AA6E4}">
-                <adec:decorative xmlns:adec="http://schemas.microsoft.com/office/drawing/2017/decorative" xmlns="" val="1"/>
+                <adec:decorative xmlns="" xmlns:adec="http://schemas.microsoft.com/office/drawing/2017/decorative" val="1"/>
               </a:ext>
             </a:extLst>
           </p:cNvPr>
@@ -28473,10 +28478,10 @@
           <p:cNvPr id="12" name="Freeform 7">
             <a:extLst>
               <a:ext uri="{FF2B5EF4-FFF2-40B4-BE49-F238E27FC236}">
-                <a16:creationId xmlns:a16="http://schemas.microsoft.com/office/drawing/2014/main" xmlns="" id="{EC471314-E46A-414B-8D91-74880E84F187}"/>
+                <a16:creationId xmlns="" xmlns:a16="http://schemas.microsoft.com/office/drawing/2014/main" id="{EC471314-E46A-414B-8D91-74880E84F187}"/>
               </a:ext>
               <a:ext uri="{C183D7F6-B498-43B3-948B-1728B52AA6E4}">
-                <adec:decorative xmlns:adec="http://schemas.microsoft.com/office/drawing/2017/decorative" xmlns="" val="1"/>
+                <adec:decorative xmlns="" xmlns:adec="http://schemas.microsoft.com/office/drawing/2017/decorative" val="1"/>
               </a:ext>
             </a:extLst>
           </p:cNvPr>
@@ -28862,10 +28867,10 @@
           <p:cNvPr id="14" name="Freeform: Shape 13">
             <a:extLst>
               <a:ext uri="{FF2B5EF4-FFF2-40B4-BE49-F238E27FC236}">
-                <a16:creationId xmlns:a16="http://schemas.microsoft.com/office/drawing/2014/main" xmlns="" id="{6A681326-1C9D-44A3-A627-3871BDAE4127}"/>
+                <a16:creationId xmlns="" xmlns:a16="http://schemas.microsoft.com/office/drawing/2014/main" id="{6A681326-1C9D-44A3-A627-3871BDAE4127}"/>
               </a:ext>
               <a:ext uri="{C183D7F6-B498-43B3-948B-1728B52AA6E4}">
-                <adec:decorative xmlns:adec="http://schemas.microsoft.com/office/drawing/2017/decorative" xmlns="" val="1"/>
+                <adec:decorative xmlns="" xmlns:adec="http://schemas.microsoft.com/office/drawing/2017/decorative" val="1"/>
               </a:ext>
             </a:extLst>
           </p:cNvPr>
@@ -29325,7 +29330,7 @@
           <p:cNvPr id="2" name="Title 1">
             <a:extLst>
               <a:ext uri="{FF2B5EF4-FFF2-40B4-BE49-F238E27FC236}">
-                <a16:creationId xmlns:a16="http://schemas.microsoft.com/office/drawing/2014/main" xmlns="" id="{B7071FE9-1E09-4CD9-87A5-923A30F20AA2}"/>
+                <a16:creationId xmlns="" xmlns:a16="http://schemas.microsoft.com/office/drawing/2014/main" id="{B7071FE9-1E09-4CD9-87A5-923A30F20AA2}"/>
               </a:ext>
             </a:extLst>
           </p:cNvPr>
@@ -29364,7 +29369,7 @@
           <p:cNvPr id="3" name="Content Placeholder 2">
             <a:extLst>
               <a:ext uri="{FF2B5EF4-FFF2-40B4-BE49-F238E27FC236}">
-                <a16:creationId xmlns:a16="http://schemas.microsoft.com/office/drawing/2014/main" xmlns="" id="{5042D8AC-A055-42E8-AF39-7C9B30ED64D9}"/>
+                <a16:creationId xmlns="" xmlns:a16="http://schemas.microsoft.com/office/drawing/2014/main" id="{5042D8AC-A055-42E8-AF39-7C9B30ED64D9}"/>
               </a:ext>
             </a:extLst>
           </p:cNvPr>
@@ -29537,10 +29542,10 @@
           <p:cNvPr id="8" name="Rectangle 7">
             <a:extLst>
               <a:ext uri="{FF2B5EF4-FFF2-40B4-BE49-F238E27FC236}">
-                <a16:creationId xmlns:a16="http://schemas.microsoft.com/office/drawing/2014/main" xmlns="" id="{74CD14DB-BB81-479F-A1FC-1C75640E9F84}"/>
+                <a16:creationId xmlns="" xmlns:a16="http://schemas.microsoft.com/office/drawing/2014/main" id="{74CD14DB-BB81-479F-A1FC-1C75640E9F84}"/>
               </a:ext>
               <a:ext uri="{C183D7F6-B498-43B3-948B-1728B52AA6E4}">
-                <adec:decorative xmlns:adec="http://schemas.microsoft.com/office/drawing/2017/decorative" xmlns="" val="1"/>
+                <adec:decorative xmlns="" xmlns:adec="http://schemas.microsoft.com/office/drawing/2017/decorative" val="1"/>
               </a:ext>
             </a:extLst>
           </p:cNvPr>
@@ -29626,10 +29631,10 @@
           <p:cNvPr id="10" name="Rectangle 9">
             <a:extLst>
               <a:ext uri="{FF2B5EF4-FFF2-40B4-BE49-F238E27FC236}">
-                <a16:creationId xmlns:a16="http://schemas.microsoft.com/office/drawing/2014/main" xmlns="" id="{C943A91B-7CA7-4592-A975-73B1BF8C4C74}"/>
+                <a16:creationId xmlns="" xmlns:a16="http://schemas.microsoft.com/office/drawing/2014/main" id="{C943A91B-7CA7-4592-A975-73B1BF8C4C74}"/>
               </a:ext>
               <a:ext uri="{C183D7F6-B498-43B3-948B-1728B52AA6E4}">
-                <adec:decorative xmlns:adec="http://schemas.microsoft.com/office/drawing/2017/decorative" xmlns="" val="1"/>
+                <adec:decorative xmlns="" xmlns:adec="http://schemas.microsoft.com/office/drawing/2017/decorative" val="1"/>
               </a:ext>
             </a:extLst>
           </p:cNvPr>
@@ -29679,10 +29684,10 @@
           <p:cNvPr id="12" name="Freeform 7">
             <a:extLst>
               <a:ext uri="{FF2B5EF4-FFF2-40B4-BE49-F238E27FC236}">
-                <a16:creationId xmlns:a16="http://schemas.microsoft.com/office/drawing/2014/main" xmlns="" id="{EC471314-E46A-414B-8D91-74880E84F187}"/>
+                <a16:creationId xmlns="" xmlns:a16="http://schemas.microsoft.com/office/drawing/2014/main" id="{EC471314-E46A-414B-8D91-74880E84F187}"/>
               </a:ext>
               <a:ext uri="{C183D7F6-B498-43B3-948B-1728B52AA6E4}">
-                <adec:decorative xmlns:adec="http://schemas.microsoft.com/office/drawing/2017/decorative" xmlns="" val="1"/>
+                <adec:decorative xmlns="" xmlns:adec="http://schemas.microsoft.com/office/drawing/2017/decorative" val="1"/>
               </a:ext>
             </a:extLst>
           </p:cNvPr>
@@ -30068,10 +30073,10 @@
           <p:cNvPr id="14" name="Freeform: Shape 13">
             <a:extLst>
               <a:ext uri="{FF2B5EF4-FFF2-40B4-BE49-F238E27FC236}">
-                <a16:creationId xmlns:a16="http://schemas.microsoft.com/office/drawing/2014/main" xmlns="" id="{6A681326-1C9D-44A3-A627-3871BDAE4127}"/>
+                <a16:creationId xmlns="" xmlns:a16="http://schemas.microsoft.com/office/drawing/2014/main" id="{6A681326-1C9D-44A3-A627-3871BDAE4127}"/>
               </a:ext>
               <a:ext uri="{C183D7F6-B498-43B3-948B-1728B52AA6E4}">
-                <adec:decorative xmlns:adec="http://schemas.microsoft.com/office/drawing/2017/decorative" xmlns="" val="1"/>
+                <adec:decorative xmlns="" xmlns:adec="http://schemas.microsoft.com/office/drawing/2017/decorative" val="1"/>
               </a:ext>
             </a:extLst>
           </p:cNvPr>
@@ -30531,7 +30536,7 @@
           <p:cNvPr id="2" name="Title 1">
             <a:extLst>
               <a:ext uri="{FF2B5EF4-FFF2-40B4-BE49-F238E27FC236}">
-                <a16:creationId xmlns:a16="http://schemas.microsoft.com/office/drawing/2014/main" xmlns="" id="{B7071FE9-1E09-4CD9-87A5-923A30F20AA2}"/>
+                <a16:creationId xmlns="" xmlns:a16="http://schemas.microsoft.com/office/drawing/2014/main" id="{B7071FE9-1E09-4CD9-87A5-923A30F20AA2}"/>
               </a:ext>
             </a:extLst>
           </p:cNvPr>
@@ -30570,7 +30575,7 @@
           <p:cNvPr id="3" name="Content Placeholder 2">
             <a:extLst>
               <a:ext uri="{FF2B5EF4-FFF2-40B4-BE49-F238E27FC236}">
-                <a16:creationId xmlns:a16="http://schemas.microsoft.com/office/drawing/2014/main" xmlns="" id="{5042D8AC-A055-42E8-AF39-7C9B30ED64D9}"/>
+                <a16:creationId xmlns="" xmlns:a16="http://schemas.microsoft.com/office/drawing/2014/main" id="{5042D8AC-A055-42E8-AF39-7C9B30ED64D9}"/>
               </a:ext>
             </a:extLst>
           </p:cNvPr>
@@ -30658,7 +30663,7 @@
           <p:cNvPr id="6" name="Picture 5">
             <a:extLst>
               <a:ext uri="{FF2B5EF4-FFF2-40B4-BE49-F238E27FC236}">
-                <a16:creationId xmlns:a16="http://schemas.microsoft.com/office/drawing/2014/main" xmlns="" id="{3DDFDECC-FABC-4A76-B9DD-D1E709AE5720}"/>
+                <a16:creationId xmlns="" xmlns:a16="http://schemas.microsoft.com/office/drawing/2014/main" id="{3DDFDECC-FABC-4A76-B9DD-D1E709AE5720}"/>
               </a:ext>
             </a:extLst>
           </p:cNvPr>
@@ -30726,10 +30731,10 @@
           <p:cNvPr id="8" name="Rectangle 7">
             <a:extLst>
               <a:ext uri="{FF2B5EF4-FFF2-40B4-BE49-F238E27FC236}">
-                <a16:creationId xmlns:a16="http://schemas.microsoft.com/office/drawing/2014/main" xmlns="" id="{74CD14DB-BB81-479F-A1FC-1C75640E9F84}"/>
+                <a16:creationId xmlns="" xmlns:a16="http://schemas.microsoft.com/office/drawing/2014/main" id="{74CD14DB-BB81-479F-A1FC-1C75640E9F84}"/>
               </a:ext>
               <a:ext uri="{C183D7F6-B498-43B3-948B-1728B52AA6E4}">
-                <adec:decorative xmlns:adec="http://schemas.microsoft.com/office/drawing/2017/decorative" xmlns="" val="1"/>
+                <adec:decorative xmlns="" xmlns:adec="http://schemas.microsoft.com/office/drawing/2017/decorative" val="1"/>
               </a:ext>
             </a:extLst>
           </p:cNvPr>
@@ -30815,10 +30820,10 @@
           <p:cNvPr id="10" name="Rectangle 9">
             <a:extLst>
               <a:ext uri="{FF2B5EF4-FFF2-40B4-BE49-F238E27FC236}">
-                <a16:creationId xmlns:a16="http://schemas.microsoft.com/office/drawing/2014/main" xmlns="" id="{C943A91B-7CA7-4592-A975-73B1BF8C4C74}"/>
+                <a16:creationId xmlns="" xmlns:a16="http://schemas.microsoft.com/office/drawing/2014/main" id="{C943A91B-7CA7-4592-A975-73B1BF8C4C74}"/>
               </a:ext>
               <a:ext uri="{C183D7F6-B498-43B3-948B-1728B52AA6E4}">
-                <adec:decorative xmlns:adec="http://schemas.microsoft.com/office/drawing/2017/decorative" xmlns="" val="1"/>
+                <adec:decorative xmlns="" xmlns:adec="http://schemas.microsoft.com/office/drawing/2017/decorative" val="1"/>
               </a:ext>
             </a:extLst>
           </p:cNvPr>
@@ -30868,10 +30873,10 @@
           <p:cNvPr id="12" name="Freeform 7">
             <a:extLst>
               <a:ext uri="{FF2B5EF4-FFF2-40B4-BE49-F238E27FC236}">
-                <a16:creationId xmlns:a16="http://schemas.microsoft.com/office/drawing/2014/main" xmlns="" id="{EC471314-E46A-414B-8D91-74880E84F187}"/>
+                <a16:creationId xmlns="" xmlns:a16="http://schemas.microsoft.com/office/drawing/2014/main" id="{EC471314-E46A-414B-8D91-74880E84F187}"/>
               </a:ext>
               <a:ext uri="{C183D7F6-B498-43B3-948B-1728B52AA6E4}">
-                <adec:decorative xmlns:adec="http://schemas.microsoft.com/office/drawing/2017/decorative" xmlns="" val="1"/>
+                <adec:decorative xmlns="" xmlns:adec="http://schemas.microsoft.com/office/drawing/2017/decorative" val="1"/>
               </a:ext>
             </a:extLst>
           </p:cNvPr>
@@ -31257,10 +31262,10 @@
           <p:cNvPr id="14" name="Freeform: Shape 13">
             <a:extLst>
               <a:ext uri="{FF2B5EF4-FFF2-40B4-BE49-F238E27FC236}">
-                <a16:creationId xmlns:a16="http://schemas.microsoft.com/office/drawing/2014/main" xmlns="" id="{6A681326-1C9D-44A3-A627-3871BDAE4127}"/>
+                <a16:creationId xmlns="" xmlns:a16="http://schemas.microsoft.com/office/drawing/2014/main" id="{6A681326-1C9D-44A3-A627-3871BDAE4127}"/>
               </a:ext>
               <a:ext uri="{C183D7F6-B498-43B3-948B-1728B52AA6E4}">
-                <adec:decorative xmlns:adec="http://schemas.microsoft.com/office/drawing/2017/decorative" xmlns="" val="1"/>
+                <adec:decorative xmlns="" xmlns:adec="http://schemas.microsoft.com/office/drawing/2017/decorative" val="1"/>
               </a:ext>
             </a:extLst>
           </p:cNvPr>
@@ -31720,7 +31725,7 @@
           <p:cNvPr id="2" name="Title 1">
             <a:extLst>
               <a:ext uri="{FF2B5EF4-FFF2-40B4-BE49-F238E27FC236}">
-                <a16:creationId xmlns:a16="http://schemas.microsoft.com/office/drawing/2014/main" xmlns="" id="{5343FD55-52BA-49ED-8622-99BA403F87BD}"/>
+                <a16:creationId xmlns="" xmlns:a16="http://schemas.microsoft.com/office/drawing/2014/main" id="{5343FD55-52BA-49ED-8622-99BA403F87BD}"/>
               </a:ext>
             </a:extLst>
           </p:cNvPr>
@@ -31759,7 +31764,7 @@
           <p:cNvPr id="3" name="Content Placeholder 2">
             <a:extLst>
               <a:ext uri="{FF2B5EF4-FFF2-40B4-BE49-F238E27FC236}">
-                <a16:creationId xmlns:a16="http://schemas.microsoft.com/office/drawing/2014/main" xmlns="" id="{03D921A0-DB4F-49E7-B69F-84CE55C2AD6E}"/>
+                <a16:creationId xmlns="" xmlns:a16="http://schemas.microsoft.com/office/drawing/2014/main" id="{03D921A0-DB4F-49E7-B69F-84CE55C2AD6E}"/>
               </a:ext>
             </a:extLst>
           </p:cNvPr>
@@ -32049,10 +32054,10 @@
           <p:cNvPr id="8" name="Rectangle 7">
             <a:extLst>
               <a:ext uri="{FF2B5EF4-FFF2-40B4-BE49-F238E27FC236}">
-                <a16:creationId xmlns:a16="http://schemas.microsoft.com/office/drawing/2014/main" xmlns="" id="{74CD14DB-BB81-479F-A1FC-1C75640E9F84}"/>
+                <a16:creationId xmlns="" xmlns:a16="http://schemas.microsoft.com/office/drawing/2014/main" id="{74CD14DB-BB81-479F-A1FC-1C75640E9F84}"/>
               </a:ext>
               <a:ext uri="{C183D7F6-B498-43B3-948B-1728B52AA6E4}">
-                <adec:decorative xmlns:adec="http://schemas.microsoft.com/office/drawing/2017/decorative" xmlns="" val="1"/>
+                <adec:decorative xmlns="" xmlns:adec="http://schemas.microsoft.com/office/drawing/2017/decorative" val="1"/>
               </a:ext>
             </a:extLst>
           </p:cNvPr>
@@ -32138,10 +32143,10 @@
           <p:cNvPr id="10" name="Rectangle 9">
             <a:extLst>
               <a:ext uri="{FF2B5EF4-FFF2-40B4-BE49-F238E27FC236}">
-                <a16:creationId xmlns:a16="http://schemas.microsoft.com/office/drawing/2014/main" xmlns="" id="{C943A91B-7CA7-4592-A975-73B1BF8C4C74}"/>
+                <a16:creationId xmlns="" xmlns:a16="http://schemas.microsoft.com/office/drawing/2014/main" id="{C943A91B-7CA7-4592-A975-73B1BF8C4C74}"/>
               </a:ext>
               <a:ext uri="{C183D7F6-B498-43B3-948B-1728B52AA6E4}">
-                <adec:decorative xmlns:adec="http://schemas.microsoft.com/office/drawing/2017/decorative" xmlns="" val="1"/>
+                <adec:decorative xmlns="" xmlns:adec="http://schemas.microsoft.com/office/drawing/2017/decorative" val="1"/>
               </a:ext>
             </a:extLst>
           </p:cNvPr>
@@ -32191,10 +32196,10 @@
           <p:cNvPr id="12" name="Freeform 7">
             <a:extLst>
               <a:ext uri="{FF2B5EF4-FFF2-40B4-BE49-F238E27FC236}">
-                <a16:creationId xmlns:a16="http://schemas.microsoft.com/office/drawing/2014/main" xmlns="" id="{EC471314-E46A-414B-8D91-74880E84F187}"/>
+                <a16:creationId xmlns="" xmlns:a16="http://schemas.microsoft.com/office/drawing/2014/main" id="{EC471314-E46A-414B-8D91-74880E84F187}"/>
               </a:ext>
               <a:ext uri="{C183D7F6-B498-43B3-948B-1728B52AA6E4}">
-                <adec:decorative xmlns:adec="http://schemas.microsoft.com/office/drawing/2017/decorative" xmlns="" val="1"/>
+                <adec:decorative xmlns="" xmlns:adec="http://schemas.microsoft.com/office/drawing/2017/decorative" val="1"/>
               </a:ext>
             </a:extLst>
           </p:cNvPr>
@@ -32580,10 +32585,10 @@
           <p:cNvPr id="14" name="Freeform: Shape 13">
             <a:extLst>
               <a:ext uri="{FF2B5EF4-FFF2-40B4-BE49-F238E27FC236}">
-                <a16:creationId xmlns:a16="http://schemas.microsoft.com/office/drawing/2014/main" xmlns="" id="{6A681326-1C9D-44A3-A627-3871BDAE4127}"/>
+                <a16:creationId xmlns="" xmlns:a16="http://schemas.microsoft.com/office/drawing/2014/main" id="{6A681326-1C9D-44A3-A627-3871BDAE4127}"/>
               </a:ext>
               <a:ext uri="{C183D7F6-B498-43B3-948B-1728B52AA6E4}">
-                <adec:decorative xmlns:adec="http://schemas.microsoft.com/office/drawing/2017/decorative" xmlns="" val="1"/>
+                <adec:decorative xmlns="" xmlns:adec="http://schemas.microsoft.com/office/drawing/2017/decorative" val="1"/>
               </a:ext>
             </a:extLst>
           </p:cNvPr>
@@ -33043,7 +33048,7 @@
           <p:cNvPr id="2" name="Title 1">
             <a:extLst>
               <a:ext uri="{FF2B5EF4-FFF2-40B4-BE49-F238E27FC236}">
-                <a16:creationId xmlns:a16="http://schemas.microsoft.com/office/drawing/2014/main" xmlns="" id="{5343FD55-52BA-49ED-8622-99BA403F87BD}"/>
+                <a16:creationId xmlns="" xmlns:a16="http://schemas.microsoft.com/office/drawing/2014/main" id="{5343FD55-52BA-49ED-8622-99BA403F87BD}"/>
               </a:ext>
             </a:extLst>
           </p:cNvPr>
@@ -33082,7 +33087,7 @@
           <p:cNvPr id="3" name="Content Placeholder 2">
             <a:extLst>
               <a:ext uri="{FF2B5EF4-FFF2-40B4-BE49-F238E27FC236}">
-                <a16:creationId xmlns:a16="http://schemas.microsoft.com/office/drawing/2014/main" xmlns="" id="{03D921A0-DB4F-49E7-B69F-84CE55C2AD6E}"/>
+                <a16:creationId xmlns="" xmlns:a16="http://schemas.microsoft.com/office/drawing/2014/main" id="{03D921A0-DB4F-49E7-B69F-84CE55C2AD6E}"/>
               </a:ext>
             </a:extLst>
           </p:cNvPr>
@@ -33420,10 +33425,10 @@
           <p:cNvPr id="8" name="Rectangle 7">
             <a:extLst>
               <a:ext uri="{FF2B5EF4-FFF2-40B4-BE49-F238E27FC236}">
-                <a16:creationId xmlns:a16="http://schemas.microsoft.com/office/drawing/2014/main" xmlns="" id="{74CD14DB-BB81-479F-A1FC-1C75640E9F84}"/>
+                <a16:creationId xmlns="" xmlns:a16="http://schemas.microsoft.com/office/drawing/2014/main" id="{74CD14DB-BB81-479F-A1FC-1C75640E9F84}"/>
               </a:ext>
               <a:ext uri="{C183D7F6-B498-43B3-948B-1728B52AA6E4}">
-                <adec:decorative xmlns:adec="http://schemas.microsoft.com/office/drawing/2017/decorative" xmlns="" val="1"/>
+                <adec:decorative xmlns="" xmlns:adec="http://schemas.microsoft.com/office/drawing/2017/decorative" val="1"/>
               </a:ext>
             </a:extLst>
           </p:cNvPr>
@@ -33509,10 +33514,10 @@
           <p:cNvPr id="10" name="Rectangle 9">
             <a:extLst>
               <a:ext uri="{FF2B5EF4-FFF2-40B4-BE49-F238E27FC236}">
-                <a16:creationId xmlns:a16="http://schemas.microsoft.com/office/drawing/2014/main" xmlns="" id="{C943A91B-7CA7-4592-A975-73B1BF8C4C74}"/>
+                <a16:creationId xmlns="" xmlns:a16="http://schemas.microsoft.com/office/drawing/2014/main" id="{C943A91B-7CA7-4592-A975-73B1BF8C4C74}"/>
               </a:ext>
               <a:ext uri="{C183D7F6-B498-43B3-948B-1728B52AA6E4}">
-                <adec:decorative xmlns:adec="http://schemas.microsoft.com/office/drawing/2017/decorative" xmlns="" val="1"/>
+                <adec:decorative xmlns="" xmlns:adec="http://schemas.microsoft.com/office/drawing/2017/decorative" val="1"/>
               </a:ext>
             </a:extLst>
           </p:cNvPr>
@@ -33562,10 +33567,10 @@
           <p:cNvPr id="12" name="Freeform 7">
             <a:extLst>
               <a:ext uri="{FF2B5EF4-FFF2-40B4-BE49-F238E27FC236}">
-                <a16:creationId xmlns:a16="http://schemas.microsoft.com/office/drawing/2014/main" xmlns="" id="{EC471314-E46A-414B-8D91-74880E84F187}"/>
+                <a16:creationId xmlns="" xmlns:a16="http://schemas.microsoft.com/office/drawing/2014/main" id="{EC471314-E46A-414B-8D91-74880E84F187}"/>
               </a:ext>
               <a:ext uri="{C183D7F6-B498-43B3-948B-1728B52AA6E4}">
-                <adec:decorative xmlns:adec="http://schemas.microsoft.com/office/drawing/2017/decorative" xmlns="" val="1"/>
+                <adec:decorative xmlns="" xmlns:adec="http://schemas.microsoft.com/office/drawing/2017/decorative" val="1"/>
               </a:ext>
             </a:extLst>
           </p:cNvPr>
@@ -33951,10 +33956,10 @@
           <p:cNvPr id="14" name="Freeform: Shape 13">
             <a:extLst>
               <a:ext uri="{FF2B5EF4-FFF2-40B4-BE49-F238E27FC236}">
-                <a16:creationId xmlns:a16="http://schemas.microsoft.com/office/drawing/2014/main" xmlns="" id="{6A681326-1C9D-44A3-A627-3871BDAE4127}"/>
+                <a16:creationId xmlns="" xmlns:a16="http://schemas.microsoft.com/office/drawing/2014/main" id="{6A681326-1C9D-44A3-A627-3871BDAE4127}"/>
               </a:ext>
               <a:ext uri="{C183D7F6-B498-43B3-948B-1728B52AA6E4}">
-                <adec:decorative xmlns:adec="http://schemas.microsoft.com/office/drawing/2017/decorative" xmlns="" val="1"/>
+                <adec:decorative xmlns="" xmlns:adec="http://schemas.microsoft.com/office/drawing/2017/decorative" val="1"/>
               </a:ext>
             </a:extLst>
           </p:cNvPr>
@@ -34414,7 +34419,7 @@
           <p:cNvPr id="2" name="Title 1">
             <a:extLst>
               <a:ext uri="{FF2B5EF4-FFF2-40B4-BE49-F238E27FC236}">
-                <a16:creationId xmlns:a16="http://schemas.microsoft.com/office/drawing/2014/main" xmlns="" id="{5343FD55-52BA-49ED-8622-99BA403F87BD}"/>
+                <a16:creationId xmlns="" xmlns:a16="http://schemas.microsoft.com/office/drawing/2014/main" id="{5343FD55-52BA-49ED-8622-99BA403F87BD}"/>
               </a:ext>
             </a:extLst>
           </p:cNvPr>
@@ -34453,7 +34458,7 @@
           <p:cNvPr id="3" name="Content Placeholder 2">
             <a:extLst>
               <a:ext uri="{FF2B5EF4-FFF2-40B4-BE49-F238E27FC236}">
-                <a16:creationId xmlns:a16="http://schemas.microsoft.com/office/drawing/2014/main" xmlns="" id="{03D921A0-DB4F-49E7-B69F-84CE55C2AD6E}"/>
+                <a16:creationId xmlns="" xmlns:a16="http://schemas.microsoft.com/office/drawing/2014/main" id="{03D921A0-DB4F-49E7-B69F-84CE55C2AD6E}"/>
               </a:ext>
             </a:extLst>
           </p:cNvPr>
@@ -34580,10 +34585,10 @@
           <p:cNvPr id="8" name="Rectangle 7">
             <a:extLst>
               <a:ext uri="{FF2B5EF4-FFF2-40B4-BE49-F238E27FC236}">
-                <a16:creationId xmlns:a16="http://schemas.microsoft.com/office/drawing/2014/main" xmlns="" id="{74CD14DB-BB81-479F-A1FC-1C75640E9F84}"/>
+                <a16:creationId xmlns="" xmlns:a16="http://schemas.microsoft.com/office/drawing/2014/main" id="{74CD14DB-BB81-479F-A1FC-1C75640E9F84}"/>
               </a:ext>
               <a:ext uri="{C183D7F6-B498-43B3-948B-1728B52AA6E4}">
-                <adec:decorative xmlns:adec="http://schemas.microsoft.com/office/drawing/2017/decorative" xmlns="" val="1"/>
+                <adec:decorative xmlns="" xmlns:adec="http://schemas.microsoft.com/office/drawing/2017/decorative" val="1"/>
               </a:ext>
             </a:extLst>
           </p:cNvPr>
@@ -34669,10 +34674,10 @@
           <p:cNvPr id="10" name="Rectangle 9">
             <a:extLst>
               <a:ext uri="{FF2B5EF4-FFF2-40B4-BE49-F238E27FC236}">
-                <a16:creationId xmlns:a16="http://schemas.microsoft.com/office/drawing/2014/main" xmlns="" id="{C943A91B-7CA7-4592-A975-73B1BF8C4C74}"/>
+                <a16:creationId xmlns="" xmlns:a16="http://schemas.microsoft.com/office/drawing/2014/main" id="{C943A91B-7CA7-4592-A975-73B1BF8C4C74}"/>
               </a:ext>
               <a:ext uri="{C183D7F6-B498-43B3-948B-1728B52AA6E4}">
-                <adec:decorative xmlns:adec="http://schemas.microsoft.com/office/drawing/2017/decorative" xmlns="" val="1"/>
+                <adec:decorative xmlns="" xmlns:adec="http://schemas.microsoft.com/office/drawing/2017/decorative" val="1"/>
               </a:ext>
             </a:extLst>
           </p:cNvPr>
@@ -34722,10 +34727,10 @@
           <p:cNvPr id="12" name="Freeform 7">
             <a:extLst>
               <a:ext uri="{FF2B5EF4-FFF2-40B4-BE49-F238E27FC236}">
-                <a16:creationId xmlns:a16="http://schemas.microsoft.com/office/drawing/2014/main" xmlns="" id="{EC471314-E46A-414B-8D91-74880E84F187}"/>
+                <a16:creationId xmlns="" xmlns:a16="http://schemas.microsoft.com/office/drawing/2014/main" id="{EC471314-E46A-414B-8D91-74880E84F187}"/>
               </a:ext>
               <a:ext uri="{C183D7F6-B498-43B3-948B-1728B52AA6E4}">
-                <adec:decorative xmlns:adec="http://schemas.microsoft.com/office/drawing/2017/decorative" xmlns="" val="1"/>
+                <adec:decorative xmlns="" xmlns:adec="http://schemas.microsoft.com/office/drawing/2017/decorative" val="1"/>
               </a:ext>
             </a:extLst>
           </p:cNvPr>
@@ -35111,10 +35116,10 @@
           <p:cNvPr id="14" name="Freeform: Shape 13">
             <a:extLst>
               <a:ext uri="{FF2B5EF4-FFF2-40B4-BE49-F238E27FC236}">
-                <a16:creationId xmlns:a16="http://schemas.microsoft.com/office/drawing/2014/main" xmlns="" id="{6A681326-1C9D-44A3-A627-3871BDAE4127}"/>
+                <a16:creationId xmlns="" xmlns:a16="http://schemas.microsoft.com/office/drawing/2014/main" id="{6A681326-1C9D-44A3-A627-3871BDAE4127}"/>
               </a:ext>
               <a:ext uri="{C183D7F6-B498-43B3-948B-1728B52AA6E4}">
-                <adec:decorative xmlns:adec="http://schemas.microsoft.com/office/drawing/2017/decorative" xmlns="" val="1"/>
+                <adec:decorative xmlns="" xmlns:adec="http://schemas.microsoft.com/office/drawing/2017/decorative" val="1"/>
               </a:ext>
             </a:extLst>
           </p:cNvPr>
@@ -35574,7 +35579,7 @@
           <p:cNvPr id="2" name="Title 1">
             <a:extLst>
               <a:ext uri="{FF2B5EF4-FFF2-40B4-BE49-F238E27FC236}">
-                <a16:creationId xmlns:a16="http://schemas.microsoft.com/office/drawing/2014/main" xmlns="" id="{5343FD55-52BA-49ED-8622-99BA403F87BD}"/>
+                <a16:creationId xmlns="" xmlns:a16="http://schemas.microsoft.com/office/drawing/2014/main" id="{5343FD55-52BA-49ED-8622-99BA403F87BD}"/>
               </a:ext>
             </a:extLst>
           </p:cNvPr>
@@ -35613,7 +35618,7 @@
           <p:cNvPr id="3" name="Content Placeholder 2">
             <a:extLst>
               <a:ext uri="{FF2B5EF4-FFF2-40B4-BE49-F238E27FC236}">
-                <a16:creationId xmlns:a16="http://schemas.microsoft.com/office/drawing/2014/main" xmlns="" id="{03D921A0-DB4F-49E7-B69F-84CE55C2AD6E}"/>
+                <a16:creationId xmlns="" xmlns:a16="http://schemas.microsoft.com/office/drawing/2014/main" id="{03D921A0-DB4F-49E7-B69F-84CE55C2AD6E}"/>
               </a:ext>
             </a:extLst>
           </p:cNvPr>
